--- a/lesson 1/Lesson 1.pptx
+++ b/lesson 1/Lesson 1.pptx
@@ -5,20 +5,18 @@
     <p:sldMasterId id="2147483648" r:id="rId1"/>
   </p:sldMasterIdLst>
   <p:notesMasterIdLst>
-    <p:notesMasterId r:id="rId13"/>
+    <p:notesMasterId r:id="rId11"/>
   </p:notesMasterIdLst>
   <p:sldIdLst>
     <p:sldId id="256" r:id="rId2"/>
     <p:sldId id="258" r:id="rId3"/>
     <p:sldId id="257" r:id="rId4"/>
     <p:sldId id="259" r:id="rId5"/>
-    <p:sldId id="260" r:id="rId6"/>
-    <p:sldId id="261" r:id="rId7"/>
-    <p:sldId id="262" r:id="rId8"/>
-    <p:sldId id="263" r:id="rId9"/>
-    <p:sldId id="264" r:id="rId10"/>
-    <p:sldId id="265" r:id="rId11"/>
-    <p:sldId id="266" r:id="rId12"/>
+    <p:sldId id="262" r:id="rId6"/>
+    <p:sldId id="263" r:id="rId7"/>
+    <p:sldId id="264" r:id="rId8"/>
+    <p:sldId id="265" r:id="rId9"/>
+    <p:sldId id="266" r:id="rId10"/>
   </p:sldIdLst>
   <p:sldSz cx="12192000" cy="6858000"/>
   <p:notesSz cx="6858000" cy="9144000"/>
@@ -117,7 +115,20 @@
       </a:defRPr>
     </a:lvl9pPr>
   </p:defaultTextStyle>
+  <p:extLst>
+    <p:ext uri="{EFAFB233-063F-42B5-8137-9DF3F51BA10A}">
+      <p15:sldGuideLst xmlns:p15="http://schemas.microsoft.com/office/powerpoint/2012/main"/>
+    </p:ext>
+  </p:extLst>
 </p:presentation>
+</file>
+
+<file path=ppt/revisionInfo.xml><?xml version="1.0" encoding="utf-8"?>
+<p1510:revInfo xmlns:a="http://schemas.openxmlformats.org/drawingml/2006/main" xmlns:r="http://schemas.openxmlformats.org/officeDocument/2006/relationships" xmlns:p1510="http://schemas.microsoft.com/office/powerpoint/2015/10/main">
+  <p1510:revLst>
+    <p1510:client id="{0C6B8EF6-F8A4-7AB8-7F88-BD27EDEFE434}" v="2" dt="2021-12-02T05:38:51.155"/>
+  </p1510:revLst>
+</p1510:revInfo>
 </file>
 
 <file path=ppt/notesMasters/notesMaster1.xml><?xml version="1.0" encoding="utf-8"?>
@@ -202,7 +213,7 @@
           <a:p>
             <a:fld id="{168C9AAD-6B40-4CA2-A4BF-CDFBEDF9D5C7}" type="datetimeFigureOut">
               <a:rPr lang="ru-RU" smtClean="0"/>
-              <a:t>30.11.2021</a:t>
+              <a:t>01.12.2021</a:t>
             </a:fld>
             <a:endParaRPr lang="ru-RU"/>
           </a:p>
@@ -738,7 +749,7 @@
           <a:p>
             <a:fld id="{9B38C3D8-567B-47E3-87B5-079146EAABE3}" type="datetimeFigureOut">
               <a:rPr lang="ru-RU" smtClean="0"/>
-              <a:t>30.11.2021</a:t>
+              <a:t>01.12.2021</a:t>
             </a:fld>
             <a:endParaRPr lang="ru-RU"/>
           </a:p>
@@ -936,7 +947,7 @@
           <a:p>
             <a:fld id="{9B38C3D8-567B-47E3-87B5-079146EAABE3}" type="datetimeFigureOut">
               <a:rPr lang="ru-RU" smtClean="0"/>
-              <a:t>30.11.2021</a:t>
+              <a:t>01.12.2021</a:t>
             </a:fld>
             <a:endParaRPr lang="ru-RU"/>
           </a:p>
@@ -1144,7 +1155,7 @@
           <a:p>
             <a:fld id="{9B38C3D8-567B-47E3-87B5-079146EAABE3}" type="datetimeFigureOut">
               <a:rPr lang="ru-RU" smtClean="0"/>
-              <a:t>30.11.2021</a:t>
+              <a:t>01.12.2021</a:t>
             </a:fld>
             <a:endParaRPr lang="ru-RU"/>
           </a:p>
@@ -1342,7 +1353,7 @@
           <a:p>
             <a:fld id="{9B38C3D8-567B-47E3-87B5-079146EAABE3}" type="datetimeFigureOut">
               <a:rPr lang="ru-RU" smtClean="0"/>
-              <a:t>30.11.2021</a:t>
+              <a:t>01.12.2021</a:t>
             </a:fld>
             <a:endParaRPr lang="ru-RU"/>
           </a:p>
@@ -1617,7 +1628,7 @@
           <a:p>
             <a:fld id="{9B38C3D8-567B-47E3-87B5-079146EAABE3}" type="datetimeFigureOut">
               <a:rPr lang="ru-RU" smtClean="0"/>
-              <a:t>30.11.2021</a:t>
+              <a:t>01.12.2021</a:t>
             </a:fld>
             <a:endParaRPr lang="ru-RU"/>
           </a:p>
@@ -1882,7 +1893,7 @@
           <a:p>
             <a:fld id="{9B38C3D8-567B-47E3-87B5-079146EAABE3}" type="datetimeFigureOut">
               <a:rPr lang="ru-RU" smtClean="0"/>
-              <a:t>30.11.2021</a:t>
+              <a:t>01.12.2021</a:t>
             </a:fld>
             <a:endParaRPr lang="ru-RU"/>
           </a:p>
@@ -2294,7 +2305,7 @@
           <a:p>
             <a:fld id="{9B38C3D8-567B-47E3-87B5-079146EAABE3}" type="datetimeFigureOut">
               <a:rPr lang="ru-RU" smtClean="0"/>
-              <a:t>30.11.2021</a:t>
+              <a:t>01.12.2021</a:t>
             </a:fld>
             <a:endParaRPr lang="ru-RU"/>
           </a:p>
@@ -2435,7 +2446,7 @@
           <a:p>
             <a:fld id="{9B38C3D8-567B-47E3-87B5-079146EAABE3}" type="datetimeFigureOut">
               <a:rPr lang="ru-RU" smtClean="0"/>
-              <a:t>30.11.2021</a:t>
+              <a:t>01.12.2021</a:t>
             </a:fld>
             <a:endParaRPr lang="ru-RU"/>
           </a:p>
@@ -2548,7 +2559,7 @@
           <a:p>
             <a:fld id="{9B38C3D8-567B-47E3-87B5-079146EAABE3}" type="datetimeFigureOut">
               <a:rPr lang="ru-RU" smtClean="0"/>
-              <a:t>30.11.2021</a:t>
+              <a:t>01.12.2021</a:t>
             </a:fld>
             <a:endParaRPr lang="ru-RU"/>
           </a:p>
@@ -2859,7 +2870,7 @@
           <a:p>
             <a:fld id="{9B38C3D8-567B-47E3-87B5-079146EAABE3}" type="datetimeFigureOut">
               <a:rPr lang="ru-RU" smtClean="0"/>
-              <a:t>30.11.2021</a:t>
+              <a:t>01.12.2021</a:t>
             </a:fld>
             <a:endParaRPr lang="ru-RU"/>
           </a:p>
@@ -3147,7 +3158,7 @@
           <a:p>
             <a:fld id="{9B38C3D8-567B-47E3-87B5-079146EAABE3}" type="datetimeFigureOut">
               <a:rPr lang="ru-RU" smtClean="0"/>
-              <a:t>30.11.2021</a:t>
+              <a:t>01.12.2021</a:t>
             </a:fld>
             <a:endParaRPr lang="ru-RU"/>
           </a:p>
@@ -3388,7 +3399,7 @@
           <a:p>
             <a:fld id="{9B38C3D8-567B-47E3-87B5-079146EAABE3}" type="datetimeFigureOut">
               <a:rPr lang="ru-RU" smtClean="0"/>
-              <a:t>30.11.2021</a:t>
+              <a:t>01.12.2021</a:t>
             </a:fld>
             <a:endParaRPr lang="ru-RU"/>
           </a:p>
@@ -4580,7 +4591,2199 @@
 </p:sld>
 </file>
 
-<file path=ppt/slides/slide10.xml><?xml version="1.0" encoding="utf-8"?>
+<file path=ppt/slides/slide2.xml><?xml version="1.0" encoding="utf-8"?>
+<p:sld xmlns:a="http://schemas.openxmlformats.org/drawingml/2006/main" xmlns:r="http://schemas.openxmlformats.org/officeDocument/2006/relationships" xmlns:p="http://schemas.openxmlformats.org/presentationml/2006/main">
+  <p:cSld>
+    <p:spTree>
+      <p:nvGrpSpPr>
+        <p:cNvPr id="1" name="Shape 93"/>
+        <p:cNvGrpSpPr/>
+        <p:nvPr/>
+      </p:nvGrpSpPr>
+      <p:grpSpPr>
+        <a:xfrm>
+          <a:off x="0" y="0"/>
+          <a:ext cx="0" cy="0"/>
+          <a:chOff x="0" y="0"/>
+          <a:chExt cx="0" cy="0"/>
+        </a:xfrm>
+      </p:grpSpPr>
+      <p:pic>
+        <p:nvPicPr>
+          <p:cNvPr id="4" name="Рисунок 3">
+            <a:extLst>
+              <a:ext uri="{FF2B5EF4-FFF2-40B4-BE49-F238E27FC236}">
+                <a16:creationId xmlns:a16="http://schemas.microsoft.com/office/drawing/2014/main" id="{8FA105D8-8AFD-4DFC-B91A-D2F61D476E95}"/>
+              </a:ext>
+            </a:extLst>
+          </p:cNvPr>
+          <p:cNvPicPr>
+            <a:picLocks noChangeAspect="1"/>
+          </p:cNvPicPr>
+          <p:nvPr/>
+        </p:nvPicPr>
+        <p:blipFill>
+          <a:blip r:embed="rId3">
+            <a:extLst>
+              <a:ext uri="{28A0092B-C50C-407E-A947-70E740481C1C}">
+                <a14:useLocalDpi xmlns:a14="http://schemas.microsoft.com/office/drawing/2010/main" val="0"/>
+              </a:ext>
+            </a:extLst>
+          </a:blip>
+          <a:stretch>
+            <a:fillRect/>
+          </a:stretch>
+        </p:blipFill>
+        <p:spPr>
+          <a:xfrm>
+            <a:off x="0" y="0"/>
+            <a:ext cx="12192000" cy="6858000"/>
+          </a:xfrm>
+          <a:prstGeom prst="rect">
+            <a:avLst/>
+          </a:prstGeom>
+        </p:spPr>
+      </p:pic>
+      <p:sp>
+        <p:nvSpPr>
+          <p:cNvPr id="94" name="Google Shape;94;p2"/>
+          <p:cNvSpPr/>
+          <p:nvPr/>
+        </p:nvSpPr>
+        <p:spPr>
+          <a:xfrm>
+            <a:off x="1674305" y="5221608"/>
+            <a:ext cx="9473700" cy="1015800"/>
+          </a:xfrm>
+          <a:prstGeom prst="rect">
+            <a:avLst/>
+          </a:prstGeom>
+          <a:noFill/>
+          <a:ln>
+            <a:noFill/>
+          </a:ln>
+        </p:spPr>
+        <p:txBody>
+          <a:bodyPr spcFirstLastPara="1" wrap="square" lIns="91425" tIns="45700" rIns="91425" bIns="45700" anchor="t" anchorCtr="0">
+            <a:spAutoFit/>
+          </a:bodyPr>
+          <a:lstStyle/>
+          <a:p>
+            <a:pPr marL="0" marR="0" lvl="0" indent="0" algn="ctr" rtl="0">
+              <a:lnSpc>
+                <a:spcPct val="100000"/>
+              </a:lnSpc>
+              <a:spcBef>
+                <a:spcPts val="0"/>
+              </a:spcBef>
+              <a:spcAft>
+                <a:spcPts val="0"/>
+              </a:spcAft>
+              <a:buClr>
+                <a:schemeClr val="dk1"/>
+              </a:buClr>
+              <a:buSzPts val="1100"/>
+              <a:buFont typeface="Arial"/>
+              <a:buNone/>
+            </a:pPr>
+            <a:r>
+              <a:rPr lang="en-US" sz="2000" dirty="0" err="1">
+                <a:solidFill>
+                  <a:srgbClr val="074D67"/>
+                </a:solidFill>
+                <a:latin typeface="Poppins"/>
+                <a:ea typeface="Poppins"/>
+                <a:cs typeface="Poppins"/>
+                <a:sym typeface="Poppins"/>
+              </a:rPr>
+              <a:t>Программа</a:t>
+            </a:r>
+            <a:r>
+              <a:rPr lang="en-US" sz="2000" dirty="0">
+                <a:solidFill>
+                  <a:srgbClr val="074D67"/>
+                </a:solidFill>
+                <a:latin typeface="Poppins"/>
+                <a:ea typeface="Poppins"/>
+                <a:cs typeface="Poppins"/>
+                <a:sym typeface="Poppins"/>
+              </a:rPr>
+              <a:t> </a:t>
+            </a:r>
+            <a:r>
+              <a:rPr lang="en-US" sz="2000" dirty="0" err="1">
+                <a:solidFill>
+                  <a:srgbClr val="074D67"/>
+                </a:solidFill>
+                <a:latin typeface="Poppins"/>
+                <a:ea typeface="Poppins"/>
+                <a:cs typeface="Poppins"/>
+                <a:sym typeface="Poppins"/>
+              </a:rPr>
+              <a:t>наноспутникового</a:t>
+            </a:r>
+            <a:r>
+              <a:rPr lang="en-US" sz="2000" dirty="0">
+                <a:solidFill>
+                  <a:srgbClr val="074D67"/>
+                </a:solidFill>
+                <a:latin typeface="Poppins"/>
+                <a:ea typeface="Poppins"/>
+                <a:cs typeface="Poppins"/>
+                <a:sym typeface="Poppins"/>
+              </a:rPr>
+              <a:t> </a:t>
+            </a:r>
+            <a:r>
+              <a:rPr lang="en-US" sz="2000" dirty="0" err="1">
+                <a:solidFill>
+                  <a:srgbClr val="074D67"/>
+                </a:solidFill>
+                <a:latin typeface="Poppins"/>
+                <a:ea typeface="Poppins"/>
+                <a:cs typeface="Poppins"/>
+                <a:sym typeface="Poppins"/>
+              </a:rPr>
+              <a:t>образования</a:t>
+            </a:r>
+            <a:r>
+              <a:rPr lang="en-US" sz="2000" dirty="0">
+                <a:solidFill>
+                  <a:srgbClr val="074D67"/>
+                </a:solidFill>
+                <a:latin typeface="Poppins"/>
+                <a:ea typeface="Poppins"/>
+                <a:cs typeface="Poppins"/>
+                <a:sym typeface="Poppins"/>
+              </a:rPr>
+              <a:t> </a:t>
+            </a:r>
+            <a:r>
+              <a:rPr lang="en-US" sz="2000" dirty="0" err="1">
+                <a:solidFill>
+                  <a:srgbClr val="074D67"/>
+                </a:solidFill>
+                <a:latin typeface="Poppins"/>
+                <a:ea typeface="Poppins"/>
+                <a:cs typeface="Poppins"/>
+                <a:sym typeface="Poppins"/>
+              </a:rPr>
+              <a:t>UniSat</a:t>
+            </a:r>
+            <a:r>
+              <a:rPr lang="en-US" sz="2000" dirty="0">
+                <a:solidFill>
+                  <a:srgbClr val="074D67"/>
+                </a:solidFill>
+                <a:latin typeface="Poppins"/>
+                <a:ea typeface="Poppins"/>
+                <a:cs typeface="Poppins"/>
+                <a:sym typeface="Poppins"/>
+              </a:rPr>
+              <a:t> </a:t>
+            </a:r>
+            <a:r>
+              <a:rPr lang="en-US" sz="2000" dirty="0" err="1">
+                <a:solidFill>
+                  <a:srgbClr val="074D67"/>
+                </a:solidFill>
+                <a:latin typeface="Poppins"/>
+                <a:ea typeface="Poppins"/>
+                <a:cs typeface="Poppins"/>
+                <a:sym typeface="Poppins"/>
+              </a:rPr>
+              <a:t>для</a:t>
+            </a:r>
+            <a:r>
+              <a:rPr lang="en-US" sz="2000" dirty="0">
+                <a:solidFill>
+                  <a:srgbClr val="074D67"/>
+                </a:solidFill>
+                <a:latin typeface="Poppins"/>
+                <a:ea typeface="Poppins"/>
+                <a:cs typeface="Poppins"/>
+                <a:sym typeface="Poppins"/>
+              </a:rPr>
+              <a:t> </a:t>
+            </a:r>
+            <a:r>
+              <a:rPr lang="en-US" sz="2000" dirty="0" err="1">
+                <a:solidFill>
+                  <a:srgbClr val="074D67"/>
+                </a:solidFill>
+                <a:latin typeface="Poppins"/>
+                <a:ea typeface="Poppins"/>
+                <a:cs typeface="Poppins"/>
+                <a:sym typeface="Poppins"/>
+              </a:rPr>
+              <a:t>девочек</a:t>
+            </a:r>
+            <a:r>
+              <a:rPr lang="en-US" sz="2000" dirty="0">
+                <a:solidFill>
+                  <a:srgbClr val="074D67"/>
+                </a:solidFill>
+                <a:latin typeface="Poppins"/>
+                <a:ea typeface="Poppins"/>
+                <a:cs typeface="Poppins"/>
+                <a:sym typeface="Poppins"/>
+              </a:rPr>
+              <a:t> (UNEPG) </a:t>
+            </a:r>
+            <a:r>
+              <a:rPr lang="en-US" sz="2000" dirty="0" err="1">
+                <a:solidFill>
+                  <a:srgbClr val="074D67"/>
+                </a:solidFill>
+                <a:latin typeface="Poppins"/>
+                <a:ea typeface="Poppins"/>
+                <a:cs typeface="Poppins"/>
+                <a:sym typeface="Poppins"/>
+              </a:rPr>
+              <a:t>является</a:t>
+            </a:r>
+            <a:r>
+              <a:rPr lang="en-US" sz="2000" dirty="0">
+                <a:solidFill>
+                  <a:srgbClr val="074D67"/>
+                </a:solidFill>
+                <a:latin typeface="Poppins"/>
+                <a:ea typeface="Poppins"/>
+                <a:cs typeface="Poppins"/>
+                <a:sym typeface="Poppins"/>
+              </a:rPr>
+              <a:t> </a:t>
+            </a:r>
+            <a:r>
+              <a:rPr lang="en-US" sz="2000" dirty="0" err="1">
+                <a:solidFill>
+                  <a:srgbClr val="074D67"/>
+                </a:solidFill>
+                <a:latin typeface="Poppins"/>
+                <a:ea typeface="Poppins"/>
+                <a:cs typeface="Poppins"/>
+                <a:sym typeface="Poppins"/>
+              </a:rPr>
+              <a:t>совместным</a:t>
+            </a:r>
+            <a:r>
+              <a:rPr lang="en-US" sz="2000" dirty="0">
+                <a:solidFill>
+                  <a:srgbClr val="074D67"/>
+                </a:solidFill>
+                <a:latin typeface="Poppins"/>
+                <a:ea typeface="Poppins"/>
+                <a:cs typeface="Poppins"/>
+                <a:sym typeface="Poppins"/>
+              </a:rPr>
+              <a:t> </a:t>
+            </a:r>
+            <a:r>
+              <a:rPr lang="en-US" sz="2000" dirty="0" err="1">
+                <a:solidFill>
+                  <a:srgbClr val="074D67"/>
+                </a:solidFill>
+                <a:latin typeface="Poppins"/>
+                <a:ea typeface="Poppins"/>
+                <a:cs typeface="Poppins"/>
+                <a:sym typeface="Poppins"/>
+              </a:rPr>
+              <a:t>проектом</a:t>
+            </a:r>
+            <a:r>
+              <a:rPr lang="en-US" sz="2000" dirty="0">
+                <a:solidFill>
+                  <a:srgbClr val="074D67"/>
+                </a:solidFill>
+                <a:latin typeface="Poppins"/>
+                <a:ea typeface="Poppins"/>
+                <a:cs typeface="Poppins"/>
+                <a:sym typeface="Poppins"/>
+              </a:rPr>
+              <a:t> ЮНИСЕФ в </a:t>
+            </a:r>
+            <a:r>
+              <a:rPr lang="en-US" sz="2000" dirty="0" err="1">
+                <a:solidFill>
+                  <a:srgbClr val="074D67"/>
+                </a:solidFill>
+                <a:latin typeface="Poppins"/>
+                <a:ea typeface="Poppins"/>
+                <a:cs typeface="Poppins"/>
+                <a:sym typeface="Poppins"/>
+              </a:rPr>
+              <a:t>Казахстане</a:t>
+            </a:r>
+            <a:r>
+              <a:rPr lang="en-US" sz="2000" dirty="0">
+                <a:solidFill>
+                  <a:srgbClr val="074D67"/>
+                </a:solidFill>
+                <a:latin typeface="Poppins"/>
+                <a:ea typeface="Poppins"/>
+                <a:cs typeface="Poppins"/>
+                <a:sym typeface="Poppins"/>
+              </a:rPr>
+              <a:t> и </a:t>
+            </a:r>
+            <a:r>
+              <a:rPr lang="en-US" sz="2000" dirty="0" err="1">
+                <a:solidFill>
+                  <a:srgbClr val="074D67"/>
+                </a:solidFill>
+                <a:latin typeface="Poppins"/>
+                <a:ea typeface="Poppins"/>
+                <a:cs typeface="Poppins"/>
+                <a:sym typeface="Poppins"/>
+              </a:rPr>
+              <a:t>Научного</a:t>
+            </a:r>
+            <a:r>
+              <a:rPr lang="en-US" sz="2000" dirty="0">
+                <a:solidFill>
+                  <a:srgbClr val="074D67"/>
+                </a:solidFill>
+                <a:latin typeface="Poppins"/>
+                <a:ea typeface="Poppins"/>
+                <a:cs typeface="Poppins"/>
+                <a:sym typeface="Poppins"/>
+              </a:rPr>
+              <a:t> </a:t>
+            </a:r>
+            <a:r>
+              <a:rPr lang="en-US" sz="2000" dirty="0" err="1">
+                <a:solidFill>
+                  <a:srgbClr val="074D67"/>
+                </a:solidFill>
+                <a:latin typeface="Poppins"/>
+                <a:ea typeface="Poppins"/>
+                <a:cs typeface="Poppins"/>
+                <a:sym typeface="Poppins"/>
+              </a:rPr>
+              <a:t>парка</a:t>
+            </a:r>
+            <a:r>
+              <a:rPr lang="en-US" sz="2000" dirty="0">
+                <a:solidFill>
+                  <a:srgbClr val="074D67"/>
+                </a:solidFill>
+                <a:latin typeface="Poppins"/>
+                <a:ea typeface="Poppins"/>
+                <a:cs typeface="Poppins"/>
+                <a:sym typeface="Poppins"/>
+              </a:rPr>
+              <a:t> </a:t>
+            </a:r>
+            <a:r>
+              <a:rPr lang="en-US" sz="2000" dirty="0" err="1">
+                <a:solidFill>
+                  <a:srgbClr val="074D67"/>
+                </a:solidFill>
+                <a:latin typeface="Poppins"/>
+                <a:ea typeface="Poppins"/>
+                <a:cs typeface="Poppins"/>
+                <a:sym typeface="Poppins"/>
+              </a:rPr>
+              <a:t>Казахского</a:t>
+            </a:r>
+            <a:r>
+              <a:rPr lang="en-US" sz="2000" dirty="0">
+                <a:solidFill>
+                  <a:srgbClr val="074D67"/>
+                </a:solidFill>
+                <a:latin typeface="Poppins"/>
+                <a:ea typeface="Poppins"/>
+                <a:cs typeface="Poppins"/>
+                <a:sym typeface="Poppins"/>
+              </a:rPr>
+              <a:t> </a:t>
+            </a:r>
+            <a:r>
+              <a:rPr lang="en-US" sz="2000" dirty="0" err="1">
+                <a:solidFill>
+                  <a:srgbClr val="074D67"/>
+                </a:solidFill>
+                <a:latin typeface="Poppins"/>
+                <a:ea typeface="Poppins"/>
+                <a:cs typeface="Poppins"/>
+                <a:sym typeface="Poppins"/>
+              </a:rPr>
+              <a:t>национального</a:t>
+            </a:r>
+            <a:r>
+              <a:rPr lang="en-US" sz="2000" dirty="0">
+                <a:solidFill>
+                  <a:srgbClr val="074D67"/>
+                </a:solidFill>
+                <a:latin typeface="Poppins"/>
+                <a:ea typeface="Poppins"/>
+                <a:cs typeface="Poppins"/>
+                <a:sym typeface="Poppins"/>
+              </a:rPr>
+              <a:t> </a:t>
+            </a:r>
+            <a:r>
+              <a:rPr lang="en-US" sz="2000" dirty="0" err="1">
+                <a:solidFill>
+                  <a:srgbClr val="074D67"/>
+                </a:solidFill>
+                <a:latin typeface="Poppins"/>
+                <a:ea typeface="Poppins"/>
+                <a:cs typeface="Poppins"/>
+                <a:sym typeface="Poppins"/>
+              </a:rPr>
+              <a:t>университета</a:t>
+            </a:r>
+            <a:r>
+              <a:rPr lang="en-US" sz="2000" dirty="0">
+                <a:solidFill>
+                  <a:srgbClr val="074D67"/>
+                </a:solidFill>
+                <a:latin typeface="Poppins"/>
+                <a:ea typeface="Poppins"/>
+                <a:cs typeface="Poppins"/>
+                <a:sym typeface="Poppins"/>
+              </a:rPr>
+              <a:t> </a:t>
+            </a:r>
+            <a:r>
+              <a:rPr lang="en-US" sz="2000" dirty="0" err="1">
+                <a:solidFill>
+                  <a:srgbClr val="074D67"/>
+                </a:solidFill>
+                <a:latin typeface="Poppins"/>
+                <a:ea typeface="Poppins"/>
+                <a:cs typeface="Poppins"/>
+                <a:sym typeface="Poppins"/>
+              </a:rPr>
+              <a:t>имени</a:t>
+            </a:r>
+            <a:r>
+              <a:rPr lang="en-US" sz="2000" dirty="0">
+                <a:solidFill>
+                  <a:srgbClr val="074D67"/>
+                </a:solidFill>
+                <a:latin typeface="Poppins"/>
+                <a:ea typeface="Poppins"/>
+                <a:cs typeface="Poppins"/>
+                <a:sym typeface="Poppins"/>
+              </a:rPr>
+              <a:t> </a:t>
+            </a:r>
+            <a:r>
+              <a:rPr lang="en-US" sz="2000" dirty="0" err="1">
+                <a:solidFill>
+                  <a:srgbClr val="074D67"/>
+                </a:solidFill>
+                <a:latin typeface="Poppins"/>
+                <a:ea typeface="Poppins"/>
+                <a:cs typeface="Poppins"/>
+                <a:sym typeface="Poppins"/>
+              </a:rPr>
+              <a:t>Аль</a:t>
+            </a:r>
+            <a:r>
+              <a:rPr lang="en-US" sz="2000" dirty="0">
+                <a:solidFill>
+                  <a:srgbClr val="074D67"/>
+                </a:solidFill>
+                <a:latin typeface="Poppins"/>
+                <a:ea typeface="Poppins"/>
+                <a:cs typeface="Poppins"/>
+                <a:sym typeface="Poppins"/>
+              </a:rPr>
+              <a:t>–</a:t>
+            </a:r>
+            <a:r>
+              <a:rPr lang="en-US" sz="2000" dirty="0" err="1">
+                <a:solidFill>
+                  <a:srgbClr val="074D67"/>
+                </a:solidFill>
+                <a:latin typeface="Poppins"/>
+                <a:ea typeface="Poppins"/>
+                <a:cs typeface="Poppins"/>
+                <a:sym typeface="Poppins"/>
+              </a:rPr>
+              <a:t>Фараби</a:t>
+            </a:r>
+            <a:endParaRPr sz="2000" dirty="0">
+              <a:solidFill>
+                <a:srgbClr val="074D67"/>
+              </a:solidFill>
+              <a:latin typeface="Poppins"/>
+              <a:ea typeface="Poppins"/>
+              <a:cs typeface="Poppins"/>
+              <a:sym typeface="Poppins"/>
+            </a:endParaRPr>
+          </a:p>
+          <a:p>
+            <a:pPr marL="0" marR="0" lvl="0" indent="0" algn="ctr" rtl="0">
+              <a:lnSpc>
+                <a:spcPct val="100000"/>
+              </a:lnSpc>
+              <a:spcBef>
+                <a:spcPts val="0"/>
+              </a:spcBef>
+              <a:spcAft>
+                <a:spcPts val="0"/>
+              </a:spcAft>
+              <a:buClr>
+                <a:srgbClr val="000000"/>
+              </a:buClr>
+              <a:buSzPts val="2000"/>
+              <a:buFont typeface="Arial"/>
+              <a:buNone/>
+            </a:pPr>
+            <a:endParaRPr sz="2000" dirty="0">
+              <a:solidFill>
+                <a:srgbClr val="074D67"/>
+              </a:solidFill>
+              <a:latin typeface="Poppins"/>
+              <a:ea typeface="Poppins"/>
+              <a:cs typeface="Poppins"/>
+              <a:sym typeface="Poppins"/>
+            </a:endParaRPr>
+          </a:p>
+        </p:txBody>
+      </p:sp>
+      <p:sp>
+        <p:nvSpPr>
+          <p:cNvPr id="95" name="Google Shape;95;p2"/>
+          <p:cNvSpPr txBox="1"/>
+          <p:nvPr/>
+        </p:nvSpPr>
+        <p:spPr>
+          <a:xfrm>
+            <a:off x="560914" y="0"/>
+            <a:ext cx="11352942" cy="1613043"/>
+          </a:xfrm>
+          <a:prstGeom prst="rect">
+            <a:avLst/>
+          </a:prstGeom>
+          <a:noFill/>
+          <a:ln>
+            <a:noFill/>
+          </a:ln>
+        </p:spPr>
+        <p:txBody>
+          <a:bodyPr spcFirstLastPara="1" wrap="square" lIns="91425" tIns="45700" rIns="91425" bIns="45700" anchor="ctr" anchorCtr="0">
+            <a:noAutofit/>
+          </a:bodyPr>
+          <a:lstStyle/>
+          <a:p>
+            <a:pPr marL="0" marR="0" lvl="0" indent="0" algn="ctr" rtl="0">
+              <a:lnSpc>
+                <a:spcPct val="100000"/>
+              </a:lnSpc>
+              <a:spcBef>
+                <a:spcPts val="0"/>
+              </a:spcBef>
+              <a:spcAft>
+                <a:spcPts val="0"/>
+              </a:spcAft>
+              <a:buClr>
+                <a:srgbClr val="FCB414"/>
+              </a:buClr>
+              <a:buSzPts val="2800"/>
+              <a:buFont typeface="Poppins"/>
+              <a:buNone/>
+            </a:pPr>
+            <a:r>
+              <a:rPr lang="en-US" sz="2800">
+                <a:solidFill>
+                  <a:srgbClr val="FCB414"/>
+                </a:solidFill>
+                <a:latin typeface="Poppins"/>
+                <a:ea typeface="Poppins"/>
+                <a:cs typeface="Poppins"/>
+                <a:sym typeface="Poppins"/>
+              </a:rPr>
+              <a:t>Запустите свои мечты:</a:t>
+            </a:r>
+            <a:r>
+              <a:rPr lang="en-US" sz="2800">
+                <a:solidFill>
+                  <a:schemeClr val="dk1"/>
+                </a:solidFill>
+                <a:latin typeface="Poppins"/>
+                <a:ea typeface="Poppins"/>
+                <a:cs typeface="Poppins"/>
+                <a:sym typeface="Poppins"/>
+              </a:rPr>
+              <a:t> Образовательная программа для девочек с наноспутником UniSat </a:t>
+            </a:r>
+            <a:endParaRPr sz="2800" b="0" i="0" u="none" strike="noStrike" cap="none">
+              <a:solidFill>
+                <a:schemeClr val="dk1"/>
+              </a:solidFill>
+              <a:latin typeface="Poppins"/>
+              <a:ea typeface="Poppins"/>
+              <a:cs typeface="Poppins"/>
+              <a:sym typeface="Poppins"/>
+            </a:endParaRPr>
+          </a:p>
+        </p:txBody>
+      </p:sp>
+    </p:spTree>
+  </p:cSld>
+  <p:clrMapOvr>
+    <a:masterClrMapping/>
+  </p:clrMapOvr>
+</p:sld>
+</file>
+
+<file path=ppt/slides/slide3.xml><?xml version="1.0" encoding="utf-8"?>
+<p:sld xmlns:a="http://schemas.openxmlformats.org/drawingml/2006/main" xmlns:r="http://schemas.openxmlformats.org/officeDocument/2006/relationships" xmlns:p="http://schemas.openxmlformats.org/presentationml/2006/main">
+  <p:cSld>
+    <p:spTree>
+      <p:nvGrpSpPr>
+        <p:cNvPr id="1" name=""/>
+        <p:cNvGrpSpPr/>
+        <p:nvPr/>
+      </p:nvGrpSpPr>
+      <p:grpSpPr>
+        <a:xfrm>
+          <a:off x="0" y="0"/>
+          <a:ext cx="0" cy="0"/>
+          <a:chOff x="0" y="0"/>
+          <a:chExt cx="0" cy="0"/>
+        </a:xfrm>
+      </p:grpSpPr>
+      <p:sp>
+        <p:nvSpPr>
+          <p:cNvPr id="4" name="Прямоугольник 3">
+            <a:extLst>
+              <a:ext uri="{FF2B5EF4-FFF2-40B4-BE49-F238E27FC236}">
+                <a16:creationId xmlns:a16="http://schemas.microsoft.com/office/drawing/2014/main" id="{30EC923F-8745-416D-9CDA-E6F03BDEFA66}"/>
+              </a:ext>
+            </a:extLst>
+          </p:cNvPr>
+          <p:cNvSpPr/>
+          <p:nvPr/>
+        </p:nvSpPr>
+        <p:spPr>
+          <a:xfrm>
+            <a:off x="569167" y="242596"/>
+            <a:ext cx="11150082" cy="811763"/>
+          </a:xfrm>
+          <a:prstGeom prst="rect">
+            <a:avLst/>
+          </a:prstGeom>
+        </p:spPr>
+        <p:style>
+          <a:lnRef idx="2">
+            <a:schemeClr val="accent1">
+              <a:shade val="50000"/>
+            </a:schemeClr>
+          </a:lnRef>
+          <a:fillRef idx="1">
+            <a:schemeClr val="accent1"/>
+          </a:fillRef>
+          <a:effectRef idx="0">
+            <a:schemeClr val="accent1"/>
+          </a:effectRef>
+          <a:fontRef idx="minor">
+            <a:schemeClr val="lt1"/>
+          </a:fontRef>
+        </p:style>
+        <p:txBody>
+          <a:bodyPr rtlCol="0" anchor="ctr"/>
+          <a:lstStyle/>
+          <a:p>
+            <a:pPr algn="ctr"/>
+            <a:r>
+              <a:rPr lang="ru-RU" sz="3200" b="1" dirty="0">
+                <a:ln w="12700" cmpd="sng">
+                  <a:solidFill>
+                    <a:schemeClr val="accent4"/>
+                  </a:solidFill>
+                  <a:prstDash val="solid"/>
+                </a:ln>
+                <a:gradFill>
+                  <a:gsLst>
+                    <a:gs pos="0">
+                      <a:schemeClr val="accent4"/>
+                    </a:gs>
+                    <a:gs pos="4000">
+                      <a:schemeClr val="accent4">
+                        <a:lumMod val="60000"/>
+                        <a:lumOff val="40000"/>
+                      </a:schemeClr>
+                    </a:gs>
+                    <a:gs pos="87000">
+                      <a:schemeClr val="accent4">
+                        <a:lumMod val="20000"/>
+                        <a:lumOff val="80000"/>
+                      </a:schemeClr>
+                    </a:gs>
+                  </a:gsLst>
+                  <a:lin ang="5400000"/>
+                </a:gradFill>
+              </a:rPr>
+              <a:t>Курс по основам программирования на языке </a:t>
+            </a:r>
+            <a:r>
+              <a:rPr lang="en-US" sz="3200" b="1" dirty="0">
+                <a:ln w="12700" cmpd="sng">
+                  <a:solidFill>
+                    <a:schemeClr val="accent4"/>
+                  </a:solidFill>
+                  <a:prstDash val="solid"/>
+                </a:ln>
+                <a:gradFill>
+                  <a:gsLst>
+                    <a:gs pos="0">
+                      <a:schemeClr val="accent4"/>
+                    </a:gs>
+                    <a:gs pos="4000">
+                      <a:schemeClr val="accent4">
+                        <a:lumMod val="60000"/>
+                        <a:lumOff val="40000"/>
+                      </a:schemeClr>
+                    </a:gs>
+                    <a:gs pos="87000">
+                      <a:schemeClr val="accent4">
+                        <a:lumMod val="20000"/>
+                        <a:lumOff val="80000"/>
+                      </a:schemeClr>
+                    </a:gs>
+                  </a:gsLst>
+                  <a:lin ang="5400000"/>
+                </a:gradFill>
+              </a:rPr>
+              <a:t>Python</a:t>
+            </a:r>
+            <a:endParaRPr lang="ru-RU" sz="3200" b="1" dirty="0">
+              <a:ln w="12700" cmpd="sng">
+                <a:solidFill>
+                  <a:schemeClr val="accent4"/>
+                </a:solidFill>
+                <a:prstDash val="solid"/>
+              </a:ln>
+              <a:gradFill>
+                <a:gsLst>
+                  <a:gs pos="0">
+                    <a:schemeClr val="accent4"/>
+                  </a:gs>
+                  <a:gs pos="4000">
+                    <a:schemeClr val="accent4">
+                      <a:lumMod val="60000"/>
+                      <a:lumOff val="40000"/>
+                    </a:schemeClr>
+                  </a:gs>
+                  <a:gs pos="87000">
+                    <a:schemeClr val="accent4">
+                      <a:lumMod val="20000"/>
+                      <a:lumOff val="80000"/>
+                    </a:schemeClr>
+                  </a:gs>
+                </a:gsLst>
+                <a:lin ang="5400000"/>
+              </a:gradFill>
+            </a:endParaRPr>
+          </a:p>
+        </p:txBody>
+      </p:sp>
+      <p:pic>
+        <p:nvPicPr>
+          <p:cNvPr id="6" name="Рисунок 5">
+            <a:extLst>
+              <a:ext uri="{FF2B5EF4-FFF2-40B4-BE49-F238E27FC236}">
+                <a16:creationId xmlns:a16="http://schemas.microsoft.com/office/drawing/2014/main" id="{4EAC04ED-64A6-49DA-A9CB-A7664E4A2E73}"/>
+              </a:ext>
+            </a:extLst>
+          </p:cNvPr>
+          <p:cNvPicPr>
+            <a:picLocks noChangeAspect="1"/>
+          </p:cNvPicPr>
+          <p:nvPr/>
+        </p:nvPicPr>
+        <p:blipFill>
+          <a:blip r:embed="rId2">
+            <a:extLst>
+              <a:ext uri="{28A0092B-C50C-407E-A947-70E740481C1C}">
+                <a14:useLocalDpi xmlns:a14="http://schemas.microsoft.com/office/drawing/2010/main" val="0"/>
+              </a:ext>
+            </a:extLst>
+          </a:blip>
+          <a:stretch>
+            <a:fillRect/>
+          </a:stretch>
+        </p:blipFill>
+        <p:spPr>
+          <a:xfrm>
+            <a:off x="2052735" y="1220754"/>
+            <a:ext cx="7585788" cy="3816221"/>
+          </a:xfrm>
+          <a:prstGeom prst="rect">
+            <a:avLst/>
+          </a:prstGeom>
+        </p:spPr>
+      </p:pic>
+      <p:sp>
+        <p:nvSpPr>
+          <p:cNvPr id="9" name="Прямоугольник: скругленные углы 8">
+            <a:extLst>
+              <a:ext uri="{FF2B5EF4-FFF2-40B4-BE49-F238E27FC236}">
+                <a16:creationId xmlns:a16="http://schemas.microsoft.com/office/drawing/2014/main" id="{19D319E9-45A7-45D8-BCB0-EFC0D71B64CA}"/>
+              </a:ext>
+            </a:extLst>
+          </p:cNvPr>
+          <p:cNvSpPr/>
+          <p:nvPr/>
+        </p:nvSpPr>
+        <p:spPr>
+          <a:xfrm>
+            <a:off x="1110343" y="5159829"/>
+            <a:ext cx="9806473" cy="1576873"/>
+          </a:xfrm>
+          <a:prstGeom prst="roundRect">
+            <a:avLst/>
+          </a:prstGeom>
+        </p:spPr>
+        <p:style>
+          <a:lnRef idx="2">
+            <a:schemeClr val="accent1">
+              <a:shade val="50000"/>
+            </a:schemeClr>
+          </a:lnRef>
+          <a:fillRef idx="1">
+            <a:schemeClr val="accent1"/>
+          </a:fillRef>
+          <a:effectRef idx="0">
+            <a:schemeClr val="accent1"/>
+          </a:effectRef>
+          <a:fontRef idx="minor">
+            <a:schemeClr val="lt1"/>
+          </a:fontRef>
+        </p:style>
+        <p:txBody>
+          <a:bodyPr rtlCol="0" anchor="ctr"/>
+          <a:lstStyle/>
+          <a:p>
+            <a:r>
+              <a:rPr lang="ru-RU" dirty="0" err="1">
+                <a:solidFill>
+                  <a:srgbClr val="FFFF00"/>
+                </a:solidFill>
+              </a:rPr>
+              <a:t>Python</a:t>
+            </a:r>
+            <a:r>
+              <a:rPr lang="ru-RU" dirty="0"/>
+              <a:t> — высокоуровневый язык программирования общего назначения с динамической строгой типизацией и автоматическим управлением памятью, ориентированный на повышение производительности разработчика, читаемости кода и его качества, а также на обеспечение переносимости написанных на нём программ</a:t>
+            </a:r>
+            <a:r>
+              <a:rPr lang="en-US" dirty="0"/>
+              <a:t>.</a:t>
+            </a:r>
+            <a:endParaRPr lang="ru-RU" dirty="0"/>
+          </a:p>
+        </p:txBody>
+      </p:sp>
+    </p:spTree>
+    <p:extLst>
+      <p:ext uri="{BB962C8B-B14F-4D97-AF65-F5344CB8AC3E}">
+        <p14:creationId xmlns:p14="http://schemas.microsoft.com/office/powerpoint/2010/main" val="2852824367"/>
+      </p:ext>
+    </p:extLst>
+  </p:cSld>
+  <p:clrMapOvr>
+    <a:masterClrMapping/>
+  </p:clrMapOvr>
+</p:sld>
+</file>
+
+<file path=ppt/slides/slide4.xml><?xml version="1.0" encoding="utf-8"?>
+<p:sld xmlns:a="http://schemas.openxmlformats.org/drawingml/2006/main" xmlns:r="http://schemas.openxmlformats.org/officeDocument/2006/relationships" xmlns:p="http://schemas.openxmlformats.org/presentationml/2006/main">
+  <p:cSld>
+    <p:spTree>
+      <p:nvGrpSpPr>
+        <p:cNvPr id="1" name=""/>
+        <p:cNvGrpSpPr/>
+        <p:nvPr/>
+      </p:nvGrpSpPr>
+      <p:grpSpPr>
+        <a:xfrm>
+          <a:off x="0" y="0"/>
+          <a:ext cx="0" cy="0"/>
+          <a:chOff x="0" y="0"/>
+          <a:chExt cx="0" cy="0"/>
+        </a:xfrm>
+      </p:grpSpPr>
+      <p:sp>
+        <p:nvSpPr>
+          <p:cNvPr id="5" name="Прямоугольник 4">
+            <a:extLst>
+              <a:ext uri="{FF2B5EF4-FFF2-40B4-BE49-F238E27FC236}">
+                <a16:creationId xmlns:a16="http://schemas.microsoft.com/office/drawing/2014/main" id="{06AA9329-4C1E-4FD3-AC9F-E47E1B5E8901}"/>
+              </a:ext>
+            </a:extLst>
+          </p:cNvPr>
+          <p:cNvSpPr/>
+          <p:nvPr/>
+        </p:nvSpPr>
+        <p:spPr>
+          <a:xfrm>
+            <a:off x="569167" y="242596"/>
+            <a:ext cx="11150082" cy="811763"/>
+          </a:xfrm>
+          <a:prstGeom prst="rect">
+            <a:avLst/>
+          </a:prstGeom>
+        </p:spPr>
+        <p:style>
+          <a:lnRef idx="2">
+            <a:schemeClr val="accent1">
+              <a:shade val="50000"/>
+            </a:schemeClr>
+          </a:lnRef>
+          <a:fillRef idx="1">
+            <a:schemeClr val="accent1"/>
+          </a:fillRef>
+          <a:effectRef idx="0">
+            <a:schemeClr val="accent1"/>
+          </a:effectRef>
+          <a:fontRef idx="minor">
+            <a:schemeClr val="lt1"/>
+          </a:fontRef>
+        </p:style>
+        <p:txBody>
+          <a:bodyPr rtlCol="0" anchor="ctr"/>
+          <a:lstStyle/>
+          <a:p>
+            <a:pPr algn="ctr"/>
+            <a:r>
+              <a:rPr lang="ru-RU" sz="3200" b="1" dirty="0">
+                <a:ln w="12700" cmpd="sng">
+                  <a:solidFill>
+                    <a:schemeClr val="accent4"/>
+                  </a:solidFill>
+                  <a:prstDash val="solid"/>
+                </a:ln>
+                <a:gradFill>
+                  <a:gsLst>
+                    <a:gs pos="0">
+                      <a:schemeClr val="accent4"/>
+                    </a:gs>
+                    <a:gs pos="4000">
+                      <a:schemeClr val="accent4">
+                        <a:lumMod val="60000"/>
+                        <a:lumOff val="40000"/>
+                      </a:schemeClr>
+                    </a:gs>
+                    <a:gs pos="87000">
+                      <a:schemeClr val="accent4">
+                        <a:lumMod val="20000"/>
+                        <a:lumOff val="80000"/>
+                      </a:schemeClr>
+                    </a:gs>
+                  </a:gsLst>
+                  <a:lin ang="5400000"/>
+                </a:gradFill>
+              </a:rPr>
+              <a:t>Установка </a:t>
+            </a:r>
+            <a:r>
+              <a:rPr lang="en-US" sz="3200" b="1" dirty="0">
+                <a:ln w="12700" cmpd="sng">
+                  <a:solidFill>
+                    <a:schemeClr val="accent4"/>
+                  </a:solidFill>
+                  <a:prstDash val="solid"/>
+                </a:ln>
+                <a:gradFill>
+                  <a:gsLst>
+                    <a:gs pos="0">
+                      <a:schemeClr val="accent4"/>
+                    </a:gs>
+                    <a:gs pos="4000">
+                      <a:schemeClr val="accent4">
+                        <a:lumMod val="60000"/>
+                        <a:lumOff val="40000"/>
+                      </a:schemeClr>
+                    </a:gs>
+                    <a:gs pos="87000">
+                      <a:schemeClr val="accent4">
+                        <a:lumMod val="20000"/>
+                        <a:lumOff val="80000"/>
+                      </a:schemeClr>
+                    </a:gs>
+                  </a:gsLst>
+                  <a:lin ang="5400000"/>
+                </a:gradFill>
+              </a:rPr>
+              <a:t>IDE “</a:t>
+            </a:r>
+            <a:r>
+              <a:rPr lang="en-US" sz="3200" b="1" dirty="0" err="1">
+                <a:ln w="12700" cmpd="sng">
+                  <a:solidFill>
+                    <a:schemeClr val="accent4"/>
+                  </a:solidFill>
+                  <a:prstDash val="solid"/>
+                </a:ln>
+                <a:gradFill>
+                  <a:gsLst>
+                    <a:gs pos="0">
+                      <a:schemeClr val="accent4"/>
+                    </a:gs>
+                    <a:gs pos="4000">
+                      <a:schemeClr val="accent4">
+                        <a:lumMod val="60000"/>
+                        <a:lumOff val="40000"/>
+                      </a:schemeClr>
+                    </a:gs>
+                    <a:gs pos="87000">
+                      <a:schemeClr val="accent4">
+                        <a:lumMod val="20000"/>
+                        <a:lumOff val="80000"/>
+                      </a:schemeClr>
+                    </a:gs>
+                  </a:gsLst>
+                  <a:lin ang="5400000"/>
+                </a:gradFill>
+              </a:rPr>
+              <a:t>Thonny</a:t>
+            </a:r>
+            <a:r>
+              <a:rPr lang="en-US" sz="3200" b="1" dirty="0">
+                <a:ln w="12700" cmpd="sng">
+                  <a:solidFill>
+                    <a:schemeClr val="accent4"/>
+                  </a:solidFill>
+                  <a:prstDash val="solid"/>
+                </a:ln>
+                <a:gradFill>
+                  <a:gsLst>
+                    <a:gs pos="0">
+                      <a:schemeClr val="accent4"/>
+                    </a:gs>
+                    <a:gs pos="4000">
+                      <a:schemeClr val="accent4">
+                        <a:lumMod val="60000"/>
+                        <a:lumOff val="40000"/>
+                      </a:schemeClr>
+                    </a:gs>
+                    <a:gs pos="87000">
+                      <a:schemeClr val="accent4">
+                        <a:lumMod val="20000"/>
+                        <a:lumOff val="80000"/>
+                      </a:schemeClr>
+                    </a:gs>
+                  </a:gsLst>
+                  <a:lin ang="5400000"/>
+                </a:gradFill>
+              </a:rPr>
+              <a:t>”</a:t>
+            </a:r>
+            <a:endParaRPr lang="ru-RU" sz="3200" b="1" dirty="0">
+              <a:ln w="12700" cmpd="sng">
+                <a:solidFill>
+                  <a:schemeClr val="accent4"/>
+                </a:solidFill>
+                <a:prstDash val="solid"/>
+              </a:ln>
+              <a:gradFill>
+                <a:gsLst>
+                  <a:gs pos="0">
+                    <a:schemeClr val="accent4"/>
+                  </a:gs>
+                  <a:gs pos="4000">
+                    <a:schemeClr val="accent4">
+                      <a:lumMod val="60000"/>
+                      <a:lumOff val="40000"/>
+                    </a:schemeClr>
+                  </a:gs>
+                  <a:gs pos="87000">
+                    <a:schemeClr val="accent4">
+                      <a:lumMod val="20000"/>
+                      <a:lumOff val="80000"/>
+                    </a:schemeClr>
+                  </a:gs>
+                </a:gsLst>
+                <a:lin ang="5400000"/>
+              </a:gradFill>
+            </a:endParaRPr>
+          </a:p>
+        </p:txBody>
+      </p:sp>
+      <p:pic>
+        <p:nvPicPr>
+          <p:cNvPr id="6" name="Рисунок 5">
+            <a:extLst>
+              <a:ext uri="{FF2B5EF4-FFF2-40B4-BE49-F238E27FC236}">
+                <a16:creationId xmlns:a16="http://schemas.microsoft.com/office/drawing/2014/main" id="{ACAC0C64-55E0-41F7-A44A-6680BD27B005}"/>
+              </a:ext>
+            </a:extLst>
+          </p:cNvPr>
+          <p:cNvPicPr>
+            <a:picLocks noChangeAspect="1"/>
+          </p:cNvPicPr>
+          <p:nvPr/>
+        </p:nvPicPr>
+        <p:blipFill>
+          <a:blip r:embed="rId2"/>
+          <a:stretch>
+            <a:fillRect/>
+          </a:stretch>
+        </p:blipFill>
+        <p:spPr>
+          <a:xfrm>
+            <a:off x="1042242" y="1223723"/>
+            <a:ext cx="9843796" cy="5335697"/>
+          </a:xfrm>
+          <a:prstGeom prst="rect">
+            <a:avLst/>
+          </a:prstGeom>
+        </p:spPr>
+      </p:pic>
+      <p:sp>
+        <p:nvSpPr>
+          <p:cNvPr id="7" name="Овал 6">
+            <a:extLst>
+              <a:ext uri="{FF2B5EF4-FFF2-40B4-BE49-F238E27FC236}">
+                <a16:creationId xmlns:a16="http://schemas.microsoft.com/office/drawing/2014/main" id="{7035F5C6-C9A8-471B-B1BC-7847906BFA21}"/>
+              </a:ext>
+            </a:extLst>
+          </p:cNvPr>
+          <p:cNvSpPr/>
+          <p:nvPr/>
+        </p:nvSpPr>
+        <p:spPr>
+          <a:xfrm>
+            <a:off x="6419461" y="2068453"/>
+            <a:ext cx="550506" cy="404159"/>
+          </a:xfrm>
+          <a:prstGeom prst="ellipse">
+            <a:avLst/>
+          </a:prstGeom>
+          <a:noFill/>
+          <a:ln w="9525" cap="flat" cmpd="sng" algn="ctr">
+            <a:solidFill>
+              <a:srgbClr val="FF0000"/>
+            </a:solidFill>
+            <a:prstDash val="solid"/>
+            <a:round/>
+            <a:headEnd type="none" w="med" len="med"/>
+            <a:tailEnd type="none" w="med" len="med"/>
+          </a:ln>
+        </p:spPr>
+        <p:style>
+          <a:lnRef idx="0">
+            <a:scrgbClr r="0" g="0" b="0"/>
+          </a:lnRef>
+          <a:fillRef idx="0">
+            <a:scrgbClr r="0" g="0" b="0"/>
+          </a:fillRef>
+          <a:effectRef idx="0">
+            <a:scrgbClr r="0" g="0" b="0"/>
+          </a:effectRef>
+          <a:fontRef idx="minor">
+            <a:schemeClr val="accent2"/>
+          </a:fontRef>
+        </p:style>
+        <p:txBody>
+          <a:bodyPr rtlCol="0" anchor="ctr"/>
+          <a:lstStyle/>
+          <a:p>
+            <a:pPr algn="ctr"/>
+            <a:endParaRPr lang="ru-RU"/>
+          </a:p>
+        </p:txBody>
+      </p:sp>
+      <p:pic>
+        <p:nvPicPr>
+          <p:cNvPr id="8" name="Рисунок 7">
+            <a:extLst>
+              <a:ext uri="{FF2B5EF4-FFF2-40B4-BE49-F238E27FC236}">
+                <a16:creationId xmlns:a16="http://schemas.microsoft.com/office/drawing/2014/main" id="{94F3FC40-7511-4520-BD9B-E4330021E2B4}"/>
+              </a:ext>
+            </a:extLst>
+          </p:cNvPr>
+          <p:cNvPicPr>
+            <a:picLocks noChangeAspect="1"/>
+          </p:cNvPicPr>
+          <p:nvPr/>
+        </p:nvPicPr>
+        <p:blipFill>
+          <a:blip r:embed="rId3"/>
+          <a:stretch>
+            <a:fillRect/>
+          </a:stretch>
+        </p:blipFill>
+        <p:spPr>
+          <a:xfrm>
+            <a:off x="8545780" y="2638314"/>
+            <a:ext cx="2676899" cy="1581371"/>
+          </a:xfrm>
+          <a:prstGeom prst="rect">
+            <a:avLst/>
+          </a:prstGeom>
+          <a:ln w="38100" cap="sq">
+            <a:solidFill>
+              <a:srgbClr val="000000"/>
+            </a:solidFill>
+            <a:prstDash val="solid"/>
+            <a:miter lim="800000"/>
+          </a:ln>
+          <a:effectLst>
+            <a:outerShdw blurRad="50800" dist="38100" dir="2700000" algn="tl" rotWithShape="0">
+              <a:srgbClr val="000000">
+                <a:alpha val="43000"/>
+              </a:srgbClr>
+            </a:outerShdw>
+          </a:effectLst>
+        </p:spPr>
+      </p:pic>
+      <p:sp>
+        <p:nvSpPr>
+          <p:cNvPr id="9" name="Стрелка: вниз 8">
+            <a:extLst>
+              <a:ext uri="{FF2B5EF4-FFF2-40B4-BE49-F238E27FC236}">
+                <a16:creationId xmlns:a16="http://schemas.microsoft.com/office/drawing/2014/main" id="{995072D4-34F3-403F-9F51-4956DEB032C2}"/>
+              </a:ext>
+            </a:extLst>
+          </p:cNvPr>
+          <p:cNvSpPr/>
+          <p:nvPr/>
+        </p:nvSpPr>
+        <p:spPr>
+          <a:xfrm rot="7219109">
+            <a:off x="7612541" y="2165867"/>
+            <a:ext cx="494523" cy="888657"/>
+          </a:xfrm>
+          <a:prstGeom prst="downArrow">
+            <a:avLst/>
+          </a:prstGeom>
+        </p:spPr>
+        <p:style>
+          <a:lnRef idx="2">
+            <a:schemeClr val="accent4">
+              <a:shade val="50000"/>
+            </a:schemeClr>
+          </a:lnRef>
+          <a:fillRef idx="1">
+            <a:schemeClr val="accent4"/>
+          </a:fillRef>
+          <a:effectRef idx="0">
+            <a:schemeClr val="accent4"/>
+          </a:effectRef>
+          <a:fontRef idx="minor">
+            <a:schemeClr val="lt1"/>
+          </a:fontRef>
+        </p:style>
+        <p:txBody>
+          <a:bodyPr rtlCol="0" anchor="ctr"/>
+          <a:lstStyle/>
+          <a:p>
+            <a:pPr algn="ctr"/>
+            <a:endParaRPr lang="ru-RU"/>
+          </a:p>
+        </p:txBody>
+      </p:sp>
+      <p:pic>
+        <p:nvPicPr>
+          <p:cNvPr id="11" name="Рисунок 10">
+            <a:extLst>
+              <a:ext uri="{FF2B5EF4-FFF2-40B4-BE49-F238E27FC236}">
+                <a16:creationId xmlns:a16="http://schemas.microsoft.com/office/drawing/2014/main" id="{6E900564-3390-4792-832F-53529CB0A607}"/>
+              </a:ext>
+            </a:extLst>
+          </p:cNvPr>
+          <p:cNvPicPr>
+            <a:picLocks noChangeAspect="1"/>
+          </p:cNvPicPr>
+          <p:nvPr/>
+        </p:nvPicPr>
+        <p:blipFill>
+          <a:blip r:embed="rId4"/>
+          <a:stretch>
+            <a:fillRect/>
+          </a:stretch>
+        </p:blipFill>
+        <p:spPr>
+          <a:xfrm>
+            <a:off x="183961" y="2650370"/>
+            <a:ext cx="3601481" cy="1005608"/>
+          </a:xfrm>
+          <a:prstGeom prst="rect">
+            <a:avLst/>
+          </a:prstGeom>
+          <a:ln w="38100" cap="sq">
+            <a:solidFill>
+              <a:srgbClr val="000000"/>
+            </a:solidFill>
+            <a:prstDash val="solid"/>
+            <a:miter lim="800000"/>
+          </a:ln>
+          <a:effectLst>
+            <a:outerShdw blurRad="50800" dist="38100" dir="2700000" algn="tl" rotWithShape="0">
+              <a:srgbClr val="000000">
+                <a:alpha val="43000"/>
+              </a:srgbClr>
+            </a:outerShdw>
+          </a:effectLst>
+        </p:spPr>
+      </p:pic>
+      <p:sp>
+        <p:nvSpPr>
+          <p:cNvPr id="12" name="Стрелка: вниз 11">
+            <a:extLst>
+              <a:ext uri="{FF2B5EF4-FFF2-40B4-BE49-F238E27FC236}">
+                <a16:creationId xmlns:a16="http://schemas.microsoft.com/office/drawing/2014/main" id="{40EBDFC1-FE41-43A1-A9BB-B767FD48592F}"/>
+              </a:ext>
+            </a:extLst>
+          </p:cNvPr>
+          <p:cNvSpPr/>
+          <p:nvPr/>
+        </p:nvSpPr>
+        <p:spPr>
+          <a:xfrm rot="13130014">
+            <a:off x="1266210" y="1602719"/>
+            <a:ext cx="494523" cy="888657"/>
+          </a:xfrm>
+          <a:prstGeom prst="downArrow">
+            <a:avLst/>
+          </a:prstGeom>
+        </p:spPr>
+        <p:style>
+          <a:lnRef idx="2">
+            <a:schemeClr val="accent4">
+              <a:shade val="50000"/>
+            </a:schemeClr>
+          </a:lnRef>
+          <a:fillRef idx="1">
+            <a:schemeClr val="accent4"/>
+          </a:fillRef>
+          <a:effectRef idx="0">
+            <a:schemeClr val="accent4"/>
+          </a:effectRef>
+          <a:fontRef idx="minor">
+            <a:schemeClr val="lt1"/>
+          </a:fontRef>
+        </p:style>
+        <p:txBody>
+          <a:bodyPr rtlCol="0" anchor="ctr"/>
+          <a:lstStyle/>
+          <a:p>
+            <a:pPr algn="ctr"/>
+            <a:endParaRPr lang="ru-RU"/>
+          </a:p>
+        </p:txBody>
+      </p:sp>
+    </p:spTree>
+    <p:extLst>
+      <p:ext uri="{BB962C8B-B14F-4D97-AF65-F5344CB8AC3E}">
+        <p14:creationId xmlns:p14="http://schemas.microsoft.com/office/powerpoint/2010/main" val="665262952"/>
+      </p:ext>
+    </p:extLst>
+  </p:cSld>
+  <p:clrMapOvr>
+    <a:masterClrMapping/>
+  </p:clrMapOvr>
+</p:sld>
+</file>
+
+<file path=ppt/slides/slide5.xml><?xml version="1.0" encoding="utf-8"?>
+<p:sld xmlns:a="http://schemas.openxmlformats.org/drawingml/2006/main" xmlns:r="http://schemas.openxmlformats.org/officeDocument/2006/relationships" xmlns:p="http://schemas.openxmlformats.org/presentationml/2006/main">
+  <p:cSld>
+    <p:spTree>
+      <p:nvGrpSpPr>
+        <p:cNvPr id="1" name=""/>
+        <p:cNvGrpSpPr/>
+        <p:nvPr/>
+      </p:nvGrpSpPr>
+      <p:grpSpPr>
+        <a:xfrm>
+          <a:off x="0" y="0"/>
+          <a:ext cx="0" cy="0"/>
+          <a:chOff x="0" y="0"/>
+          <a:chExt cx="0" cy="0"/>
+        </a:xfrm>
+      </p:grpSpPr>
+      <p:pic>
+        <p:nvPicPr>
+          <p:cNvPr id="2" name="Рисунок 1">
+            <a:extLst>
+              <a:ext uri="{FF2B5EF4-FFF2-40B4-BE49-F238E27FC236}">
+                <a16:creationId xmlns:a16="http://schemas.microsoft.com/office/drawing/2014/main" id="{3F6364E1-CF24-4A40-94C1-4D2A05C74457}"/>
+              </a:ext>
+            </a:extLst>
+          </p:cNvPr>
+          <p:cNvPicPr>
+            <a:picLocks noChangeAspect="1"/>
+          </p:cNvPicPr>
+          <p:nvPr/>
+        </p:nvPicPr>
+        <p:blipFill>
+          <a:blip r:embed="rId2"/>
+          <a:stretch>
+            <a:fillRect/>
+          </a:stretch>
+        </p:blipFill>
+        <p:spPr>
+          <a:xfrm>
+            <a:off x="922412" y="1348934"/>
+            <a:ext cx="4333696" cy="5089187"/>
+          </a:xfrm>
+          <a:prstGeom prst="rect">
+            <a:avLst/>
+          </a:prstGeom>
+        </p:spPr>
+      </p:pic>
+      <p:sp>
+        <p:nvSpPr>
+          <p:cNvPr id="3" name="Прямоугольник 2">
+            <a:extLst>
+              <a:ext uri="{FF2B5EF4-FFF2-40B4-BE49-F238E27FC236}">
+                <a16:creationId xmlns:a16="http://schemas.microsoft.com/office/drawing/2014/main" id="{B57E3441-019A-4738-A0C7-F11CA719C1B3}"/>
+              </a:ext>
+            </a:extLst>
+          </p:cNvPr>
+          <p:cNvSpPr/>
+          <p:nvPr/>
+        </p:nvSpPr>
+        <p:spPr>
+          <a:xfrm>
+            <a:off x="569167" y="242596"/>
+            <a:ext cx="11150082" cy="811763"/>
+          </a:xfrm>
+          <a:prstGeom prst="rect">
+            <a:avLst/>
+          </a:prstGeom>
+        </p:spPr>
+        <p:style>
+          <a:lnRef idx="2">
+            <a:schemeClr val="accent1">
+              <a:shade val="50000"/>
+            </a:schemeClr>
+          </a:lnRef>
+          <a:fillRef idx="1">
+            <a:schemeClr val="accent1"/>
+          </a:fillRef>
+          <a:effectRef idx="0">
+            <a:schemeClr val="accent1"/>
+          </a:effectRef>
+          <a:fontRef idx="minor">
+            <a:schemeClr val="lt1"/>
+          </a:fontRef>
+        </p:style>
+        <p:txBody>
+          <a:bodyPr rtlCol="0" anchor="ctr"/>
+          <a:lstStyle/>
+          <a:p>
+            <a:pPr algn="ctr"/>
+            <a:r>
+              <a:rPr lang="ru-RU" sz="3200" b="1" dirty="0">
+                <a:ln w="12700" cmpd="sng">
+                  <a:solidFill>
+                    <a:schemeClr val="accent4"/>
+                  </a:solidFill>
+                  <a:prstDash val="solid"/>
+                </a:ln>
+                <a:gradFill>
+                  <a:gsLst>
+                    <a:gs pos="0">
+                      <a:schemeClr val="accent4"/>
+                    </a:gs>
+                    <a:gs pos="4000">
+                      <a:schemeClr val="accent4">
+                        <a:lumMod val="60000"/>
+                        <a:lumOff val="40000"/>
+                      </a:schemeClr>
+                    </a:gs>
+                    <a:gs pos="87000">
+                      <a:schemeClr val="accent4">
+                        <a:lumMod val="20000"/>
+                        <a:lumOff val="80000"/>
+                      </a:schemeClr>
+                    </a:gs>
+                  </a:gsLst>
+                  <a:lin ang="5400000"/>
+                </a:gradFill>
+              </a:rPr>
+              <a:t>Первая программа</a:t>
+            </a:r>
+          </a:p>
+        </p:txBody>
+      </p:sp>
+      <p:sp>
+        <p:nvSpPr>
+          <p:cNvPr id="4" name="Прямоугольник: скругленные углы 3">
+            <a:extLst>
+              <a:ext uri="{FF2B5EF4-FFF2-40B4-BE49-F238E27FC236}">
+                <a16:creationId xmlns:a16="http://schemas.microsoft.com/office/drawing/2014/main" id="{21796D4C-797D-4A1A-A82A-6544F8C2D307}"/>
+              </a:ext>
+            </a:extLst>
+          </p:cNvPr>
+          <p:cNvSpPr/>
+          <p:nvPr/>
+        </p:nvSpPr>
+        <p:spPr>
+          <a:xfrm>
+            <a:off x="5722775" y="2803849"/>
+            <a:ext cx="6239069" cy="737118"/>
+          </a:xfrm>
+          <a:prstGeom prst="roundRect">
+            <a:avLst/>
+          </a:prstGeom>
+        </p:spPr>
+        <p:style>
+          <a:lnRef idx="2">
+            <a:schemeClr val="accent1">
+              <a:shade val="50000"/>
+            </a:schemeClr>
+          </a:lnRef>
+          <a:fillRef idx="1">
+            <a:schemeClr val="accent1"/>
+          </a:fillRef>
+          <a:effectRef idx="0">
+            <a:schemeClr val="accent1"/>
+          </a:effectRef>
+          <a:fontRef idx="minor">
+            <a:schemeClr val="lt1"/>
+          </a:fontRef>
+        </p:style>
+        <p:txBody>
+          <a:bodyPr rtlCol="0" anchor="ctr"/>
+          <a:lstStyle/>
+          <a:p>
+            <a:pPr algn="ctr"/>
+            <a:r>
+              <a:rPr lang="en-US" sz="2800" dirty="0"/>
+              <a:t>print(“Hello world”)</a:t>
+            </a:r>
+          </a:p>
+        </p:txBody>
+      </p:sp>
+      <p:sp>
+        <p:nvSpPr>
+          <p:cNvPr id="7" name="Прямоугольник 6">
+            <a:extLst>
+              <a:ext uri="{FF2B5EF4-FFF2-40B4-BE49-F238E27FC236}">
+                <a16:creationId xmlns:a16="http://schemas.microsoft.com/office/drawing/2014/main" id="{29057061-C6F0-4ACC-A69A-5D3C41C3BB1F}"/>
+              </a:ext>
+            </a:extLst>
+          </p:cNvPr>
+          <p:cNvSpPr/>
+          <p:nvPr/>
+        </p:nvSpPr>
+        <p:spPr>
+          <a:xfrm>
+            <a:off x="5996473" y="3893528"/>
+            <a:ext cx="6096000" cy="646331"/>
+          </a:xfrm>
+          <a:prstGeom prst="rect">
+            <a:avLst/>
+          </a:prstGeom>
+        </p:spPr>
+        <p:txBody>
+          <a:bodyPr>
+            <a:spAutoFit/>
+          </a:bodyPr>
+          <a:lstStyle/>
+          <a:p>
+            <a:r>
+              <a:rPr lang="ru-RU" dirty="0"/>
+              <a:t>Функция </a:t>
+            </a:r>
+            <a:r>
+              <a:rPr lang="ru-RU" b="1" dirty="0" err="1"/>
+              <a:t>print</a:t>
+            </a:r>
+            <a:r>
+              <a:rPr lang="en-US" dirty="0"/>
+              <a:t> </a:t>
+            </a:r>
+            <a:r>
+              <a:rPr lang="ru-RU" dirty="0"/>
+              <a:t>в </a:t>
+            </a:r>
+            <a:r>
+              <a:rPr lang="ru-RU" dirty="0" err="1"/>
+              <a:t>Python</a:t>
+            </a:r>
+            <a:r>
+              <a:rPr lang="ru-RU" dirty="0"/>
+              <a:t> выводит заданные объекты на стандартное устройство вывода (экран)</a:t>
+            </a:r>
+          </a:p>
+        </p:txBody>
+      </p:sp>
+    </p:spTree>
+    <p:extLst>
+      <p:ext uri="{BB962C8B-B14F-4D97-AF65-F5344CB8AC3E}">
+        <p14:creationId xmlns:p14="http://schemas.microsoft.com/office/powerpoint/2010/main" val="2738888459"/>
+      </p:ext>
+    </p:extLst>
+  </p:cSld>
+  <p:clrMapOvr>
+    <a:masterClrMapping/>
+  </p:clrMapOvr>
+</p:sld>
+</file>
+
+<file path=ppt/slides/slide6.xml><?xml version="1.0" encoding="utf-8"?>
+<p:sld xmlns:a="http://schemas.openxmlformats.org/drawingml/2006/main" xmlns:r="http://schemas.openxmlformats.org/officeDocument/2006/relationships" xmlns:p="http://schemas.openxmlformats.org/presentationml/2006/main">
+  <p:cSld>
+    <p:spTree>
+      <p:nvGrpSpPr>
+        <p:cNvPr id="1" name=""/>
+        <p:cNvGrpSpPr/>
+        <p:nvPr/>
+      </p:nvGrpSpPr>
+      <p:grpSpPr>
+        <a:xfrm>
+          <a:off x="0" y="0"/>
+          <a:ext cx="0" cy="0"/>
+          <a:chOff x="0" y="0"/>
+          <a:chExt cx="0" cy="0"/>
+        </a:xfrm>
+      </p:grpSpPr>
+      <p:sp>
+        <p:nvSpPr>
+          <p:cNvPr id="2" name="Прямоугольник 1">
+            <a:extLst>
+              <a:ext uri="{FF2B5EF4-FFF2-40B4-BE49-F238E27FC236}">
+                <a16:creationId xmlns:a16="http://schemas.microsoft.com/office/drawing/2014/main" id="{6132B0E8-127E-4AA9-80A4-AB7BA4C8DACA}"/>
+              </a:ext>
+            </a:extLst>
+          </p:cNvPr>
+          <p:cNvSpPr/>
+          <p:nvPr/>
+        </p:nvSpPr>
+        <p:spPr>
+          <a:xfrm>
+            <a:off x="569167" y="242596"/>
+            <a:ext cx="11150082" cy="811763"/>
+          </a:xfrm>
+          <a:prstGeom prst="rect">
+            <a:avLst/>
+          </a:prstGeom>
+        </p:spPr>
+        <p:style>
+          <a:lnRef idx="2">
+            <a:schemeClr val="accent1">
+              <a:shade val="50000"/>
+            </a:schemeClr>
+          </a:lnRef>
+          <a:fillRef idx="1">
+            <a:schemeClr val="accent1"/>
+          </a:fillRef>
+          <a:effectRef idx="0">
+            <a:schemeClr val="accent1"/>
+          </a:effectRef>
+          <a:fontRef idx="minor">
+            <a:schemeClr val="lt1"/>
+          </a:fontRef>
+        </p:style>
+        <p:txBody>
+          <a:bodyPr rtlCol="0" anchor="ctr"/>
+          <a:lstStyle/>
+          <a:p>
+            <a:pPr algn="ctr"/>
+            <a:r>
+              <a:rPr lang="ru-RU" sz="3200" b="1" dirty="0">
+                <a:ln w="12700" cmpd="sng">
+                  <a:solidFill>
+                    <a:schemeClr val="accent4"/>
+                  </a:solidFill>
+                  <a:prstDash val="solid"/>
+                </a:ln>
+                <a:gradFill>
+                  <a:gsLst>
+                    <a:gs pos="0">
+                      <a:schemeClr val="accent4"/>
+                    </a:gs>
+                    <a:gs pos="4000">
+                      <a:schemeClr val="accent4">
+                        <a:lumMod val="60000"/>
+                        <a:lumOff val="40000"/>
+                      </a:schemeClr>
+                    </a:gs>
+                    <a:gs pos="87000">
+                      <a:schemeClr val="accent4">
+                        <a:lumMod val="20000"/>
+                        <a:lumOff val="80000"/>
+                      </a:schemeClr>
+                    </a:gs>
+                  </a:gsLst>
+                  <a:lin ang="5400000"/>
+                </a:gradFill>
+              </a:rPr>
+              <a:t>Комментарии</a:t>
+            </a:r>
+          </a:p>
+        </p:txBody>
+      </p:sp>
+      <p:pic>
+        <p:nvPicPr>
+          <p:cNvPr id="3" name="Рисунок 2">
+            <a:extLst>
+              <a:ext uri="{FF2B5EF4-FFF2-40B4-BE49-F238E27FC236}">
+                <a16:creationId xmlns:a16="http://schemas.microsoft.com/office/drawing/2014/main" id="{8E64077C-FE78-4358-A4CB-D23F11265883}"/>
+              </a:ext>
+            </a:extLst>
+          </p:cNvPr>
+          <p:cNvPicPr>
+            <a:picLocks noChangeAspect="1"/>
+          </p:cNvPicPr>
+          <p:nvPr/>
+        </p:nvPicPr>
+        <p:blipFill>
+          <a:blip r:embed="rId2"/>
+          <a:stretch>
+            <a:fillRect/>
+          </a:stretch>
+        </p:blipFill>
+        <p:spPr>
+          <a:xfrm>
+            <a:off x="153194" y="1542980"/>
+            <a:ext cx="7115354" cy="1097582"/>
+          </a:xfrm>
+          <a:prstGeom prst="rect">
+            <a:avLst/>
+          </a:prstGeom>
+          <a:ln w="38100" cap="sq">
+            <a:solidFill>
+              <a:srgbClr val="000000"/>
+            </a:solidFill>
+            <a:prstDash val="solid"/>
+            <a:miter lim="800000"/>
+          </a:ln>
+          <a:effectLst>
+            <a:outerShdw blurRad="50800" dist="38100" dir="2700000" algn="tl" rotWithShape="0">
+              <a:srgbClr val="000000">
+                <a:alpha val="43000"/>
+              </a:srgbClr>
+            </a:outerShdw>
+          </a:effectLst>
+        </p:spPr>
+      </p:pic>
+      <p:sp>
+        <p:nvSpPr>
+          <p:cNvPr id="4" name="Прямоугольник: скругленные углы 3">
+            <a:extLst>
+              <a:ext uri="{FF2B5EF4-FFF2-40B4-BE49-F238E27FC236}">
+                <a16:creationId xmlns:a16="http://schemas.microsoft.com/office/drawing/2014/main" id="{8C9FF780-B020-4142-8585-9E6E679C4032}"/>
+              </a:ext>
+            </a:extLst>
+          </p:cNvPr>
+          <p:cNvSpPr/>
+          <p:nvPr/>
+        </p:nvSpPr>
+        <p:spPr>
+          <a:xfrm>
+            <a:off x="8236614" y="2584579"/>
+            <a:ext cx="3398659" cy="2099387"/>
+          </a:xfrm>
+          <a:prstGeom prst="roundRect">
+            <a:avLst/>
+          </a:prstGeom>
+        </p:spPr>
+        <p:style>
+          <a:lnRef idx="2">
+            <a:schemeClr val="accent1">
+              <a:shade val="50000"/>
+            </a:schemeClr>
+          </a:lnRef>
+          <a:fillRef idx="1">
+            <a:schemeClr val="accent1"/>
+          </a:fillRef>
+          <a:effectRef idx="0">
+            <a:schemeClr val="accent1"/>
+          </a:effectRef>
+          <a:fontRef idx="minor">
+            <a:schemeClr val="lt1"/>
+          </a:fontRef>
+        </p:style>
+        <p:txBody>
+          <a:bodyPr rtlCol="0" anchor="ctr"/>
+          <a:lstStyle/>
+          <a:p>
+            <a:pPr algn="ctr"/>
+            <a:r>
+              <a:rPr lang="ru-RU" dirty="0">
+                <a:solidFill>
+                  <a:srgbClr val="FFFF00"/>
+                </a:solidFill>
+              </a:rPr>
+              <a:t>Комментарии</a:t>
+            </a:r>
+            <a:r>
+              <a:rPr lang="ru-RU" dirty="0"/>
+              <a:t> – это то, что пишется после символа </a:t>
+            </a:r>
+            <a:r>
+              <a:rPr lang="ru-RU" dirty="0">
+                <a:solidFill>
+                  <a:srgbClr val="FFFF00"/>
+                </a:solidFill>
+              </a:rPr>
+              <a:t>#</a:t>
+            </a:r>
+            <a:r>
+              <a:rPr lang="ru-RU" dirty="0"/>
+              <a:t>, и представляет интерес лишь как заметка для читающего программу</a:t>
+            </a:r>
+            <a:r>
+              <a:rPr lang="en-US" dirty="0"/>
+              <a:t>. </a:t>
+            </a:r>
+            <a:r>
+              <a:rPr lang="ru-RU" dirty="0"/>
+              <a:t>Так же для многострочных комментариев используется знак</a:t>
+            </a:r>
+            <a:r>
+              <a:rPr lang="en-US" dirty="0"/>
+              <a:t> </a:t>
+            </a:r>
+            <a:r>
+              <a:rPr lang="ru-RU" dirty="0">
+                <a:solidFill>
+                  <a:srgbClr val="FFFF00"/>
+                </a:solidFill>
+              </a:rPr>
+              <a:t>‘‘’</a:t>
+            </a:r>
+            <a:r>
+              <a:rPr lang="ru-RU" dirty="0"/>
+              <a:t> или </a:t>
+            </a:r>
+            <a:r>
+              <a:rPr lang="en-US" dirty="0">
+                <a:solidFill>
+                  <a:srgbClr val="FFFF00"/>
+                </a:solidFill>
+              </a:rPr>
+              <a:t>“””</a:t>
+            </a:r>
+            <a:r>
+              <a:rPr lang="ru-RU" dirty="0"/>
+              <a:t> </a:t>
+            </a:r>
+          </a:p>
+        </p:txBody>
+      </p:sp>
+      <p:pic>
+        <p:nvPicPr>
+          <p:cNvPr id="5" name="Рисунок 4">
+            <a:extLst>
+              <a:ext uri="{FF2B5EF4-FFF2-40B4-BE49-F238E27FC236}">
+                <a16:creationId xmlns:a16="http://schemas.microsoft.com/office/drawing/2014/main" id="{6B4A2B7A-C0D3-4F52-B2D8-8453B4355640}"/>
+              </a:ext>
+            </a:extLst>
+          </p:cNvPr>
+          <p:cNvPicPr>
+            <a:picLocks noChangeAspect="1"/>
+          </p:cNvPicPr>
+          <p:nvPr/>
+        </p:nvPicPr>
+        <p:blipFill>
+          <a:blip r:embed="rId3"/>
+          <a:stretch>
+            <a:fillRect/>
+          </a:stretch>
+        </p:blipFill>
+        <p:spPr>
+          <a:xfrm>
+            <a:off x="153194" y="3129183"/>
+            <a:ext cx="6592839" cy="1272714"/>
+          </a:xfrm>
+          <a:prstGeom prst="rect">
+            <a:avLst/>
+          </a:prstGeom>
+          <a:ln w="38100" cap="sq">
+            <a:solidFill>
+              <a:srgbClr val="000000"/>
+            </a:solidFill>
+            <a:prstDash val="solid"/>
+            <a:miter lim="800000"/>
+          </a:ln>
+          <a:effectLst>
+            <a:outerShdw blurRad="50800" dist="38100" dir="2700000" algn="tl" rotWithShape="0">
+              <a:srgbClr val="000000">
+                <a:alpha val="43000"/>
+              </a:srgbClr>
+            </a:outerShdw>
+          </a:effectLst>
+        </p:spPr>
+      </p:pic>
+      <p:pic>
+        <p:nvPicPr>
+          <p:cNvPr id="6" name="Рисунок 5">
+            <a:extLst>
+              <a:ext uri="{FF2B5EF4-FFF2-40B4-BE49-F238E27FC236}">
+                <a16:creationId xmlns:a16="http://schemas.microsoft.com/office/drawing/2014/main" id="{C3FBBDBC-DD8E-4A7C-8F0B-304D868278A8}"/>
+              </a:ext>
+            </a:extLst>
+          </p:cNvPr>
+          <p:cNvPicPr>
+            <a:picLocks noChangeAspect="1"/>
+          </p:cNvPicPr>
+          <p:nvPr/>
+        </p:nvPicPr>
+        <p:blipFill>
+          <a:blip r:embed="rId4"/>
+          <a:stretch>
+            <a:fillRect/>
+          </a:stretch>
+        </p:blipFill>
+        <p:spPr>
+          <a:xfrm>
+            <a:off x="153194" y="4848530"/>
+            <a:ext cx="6846558" cy="1645576"/>
+          </a:xfrm>
+          <a:prstGeom prst="rect">
+            <a:avLst/>
+          </a:prstGeom>
+          <a:ln w="38100" cap="sq">
+            <a:solidFill>
+              <a:srgbClr val="000000"/>
+            </a:solidFill>
+            <a:prstDash val="solid"/>
+            <a:miter lim="800000"/>
+          </a:ln>
+          <a:effectLst>
+            <a:outerShdw blurRad="50800" dist="38100" dir="2700000" algn="tl" rotWithShape="0">
+              <a:srgbClr val="000000">
+                <a:alpha val="43000"/>
+              </a:srgbClr>
+            </a:outerShdw>
+          </a:effectLst>
+        </p:spPr>
+      </p:pic>
+    </p:spTree>
+    <p:extLst>
+      <p:ext uri="{BB962C8B-B14F-4D97-AF65-F5344CB8AC3E}">
+        <p14:creationId xmlns:p14="http://schemas.microsoft.com/office/powerpoint/2010/main" val="1481876270"/>
+      </p:ext>
+    </p:extLst>
+  </p:cSld>
+  <p:clrMapOvr>
+    <a:masterClrMapping/>
+  </p:clrMapOvr>
+</p:sld>
+</file>
+
+<file path=ppt/slides/slide7.xml><?xml version="1.0" encoding="utf-8"?>
+<p:sld xmlns:a="http://schemas.openxmlformats.org/drawingml/2006/main" xmlns:r="http://schemas.openxmlformats.org/officeDocument/2006/relationships" xmlns:p="http://schemas.openxmlformats.org/presentationml/2006/main">
+  <p:cSld>
+    <p:spTree>
+      <p:nvGrpSpPr>
+        <p:cNvPr id="1" name=""/>
+        <p:cNvGrpSpPr/>
+        <p:nvPr/>
+      </p:nvGrpSpPr>
+      <p:grpSpPr>
+        <a:xfrm>
+          <a:off x="0" y="0"/>
+          <a:ext cx="0" cy="0"/>
+          <a:chOff x="0" y="0"/>
+          <a:chExt cx="0" cy="0"/>
+        </a:xfrm>
+      </p:grpSpPr>
+      <p:sp>
+        <p:nvSpPr>
+          <p:cNvPr id="2" name="Прямоугольник 1">
+            <a:extLst>
+              <a:ext uri="{FF2B5EF4-FFF2-40B4-BE49-F238E27FC236}">
+                <a16:creationId xmlns:a16="http://schemas.microsoft.com/office/drawing/2014/main" id="{C3D7DC82-4F50-438E-9ACE-C189736F918C}"/>
+              </a:ext>
+            </a:extLst>
+          </p:cNvPr>
+          <p:cNvSpPr/>
+          <p:nvPr/>
+        </p:nvSpPr>
+        <p:spPr>
+          <a:xfrm>
+            <a:off x="569167" y="242596"/>
+            <a:ext cx="11150082" cy="811763"/>
+          </a:xfrm>
+          <a:prstGeom prst="rect">
+            <a:avLst/>
+          </a:prstGeom>
+        </p:spPr>
+        <p:style>
+          <a:lnRef idx="2">
+            <a:schemeClr val="accent1">
+              <a:shade val="50000"/>
+            </a:schemeClr>
+          </a:lnRef>
+          <a:fillRef idx="1">
+            <a:schemeClr val="accent1"/>
+          </a:fillRef>
+          <a:effectRef idx="0">
+            <a:schemeClr val="accent1"/>
+          </a:effectRef>
+          <a:fontRef idx="minor">
+            <a:schemeClr val="lt1"/>
+          </a:fontRef>
+        </p:style>
+        <p:txBody>
+          <a:bodyPr rtlCol="0" anchor="ctr"/>
+          <a:lstStyle/>
+          <a:p>
+            <a:pPr algn="ctr"/>
+            <a:r>
+              <a:rPr lang="ru-RU" sz="3200" b="1" dirty="0">
+                <a:ln w="12700" cmpd="sng">
+                  <a:solidFill>
+                    <a:schemeClr val="accent4"/>
+                  </a:solidFill>
+                  <a:prstDash val="solid"/>
+                </a:ln>
+                <a:gradFill>
+                  <a:gsLst>
+                    <a:gs pos="0">
+                      <a:schemeClr val="accent4"/>
+                    </a:gs>
+                    <a:gs pos="4000">
+                      <a:schemeClr val="accent4">
+                        <a:lumMod val="60000"/>
+                        <a:lumOff val="40000"/>
+                      </a:schemeClr>
+                    </a:gs>
+                    <a:gs pos="87000">
+                      <a:schemeClr val="accent4">
+                        <a:lumMod val="20000"/>
+                        <a:lumOff val="80000"/>
+                      </a:schemeClr>
+                    </a:gs>
+                  </a:gsLst>
+                  <a:lin ang="5400000"/>
+                </a:gradFill>
+              </a:rPr>
+              <a:t>Литеральные константы</a:t>
+            </a:r>
+          </a:p>
+        </p:txBody>
+      </p:sp>
+      <p:pic>
+        <p:nvPicPr>
+          <p:cNvPr id="3" name="Рисунок 2">
+            <a:extLst>
+              <a:ext uri="{FF2B5EF4-FFF2-40B4-BE49-F238E27FC236}">
+                <a16:creationId xmlns:a16="http://schemas.microsoft.com/office/drawing/2014/main" id="{2C7EDCA6-988E-4CE9-8C60-2AE92FB60B52}"/>
+              </a:ext>
+            </a:extLst>
+          </p:cNvPr>
+          <p:cNvPicPr>
+            <a:picLocks noChangeAspect="1"/>
+          </p:cNvPicPr>
+          <p:nvPr/>
+        </p:nvPicPr>
+        <p:blipFill>
+          <a:blip r:embed="rId2"/>
+          <a:stretch>
+            <a:fillRect/>
+          </a:stretch>
+        </p:blipFill>
+        <p:spPr>
+          <a:xfrm>
+            <a:off x="2698085" y="2467818"/>
+            <a:ext cx="5956074" cy="1339071"/>
+          </a:xfrm>
+          <a:prstGeom prst="rect">
+            <a:avLst/>
+          </a:prstGeom>
+          <a:ln w="38100" cap="sq">
+            <a:solidFill>
+              <a:srgbClr val="000000"/>
+            </a:solidFill>
+            <a:prstDash val="solid"/>
+            <a:miter lim="800000"/>
+          </a:ln>
+          <a:effectLst>
+            <a:outerShdw blurRad="50800" dist="38100" dir="2700000" algn="tl" rotWithShape="0">
+              <a:srgbClr val="000000">
+                <a:alpha val="43000"/>
+              </a:srgbClr>
+            </a:outerShdw>
+          </a:effectLst>
+        </p:spPr>
+      </p:pic>
+      <p:sp>
+        <p:nvSpPr>
+          <p:cNvPr id="4" name="Прямоугольник: скругленные углы 3">
+            <a:extLst>
+              <a:ext uri="{FF2B5EF4-FFF2-40B4-BE49-F238E27FC236}">
+                <a16:creationId xmlns:a16="http://schemas.microsoft.com/office/drawing/2014/main" id="{FB788739-1696-441C-AFB1-7218466B46C1}"/>
+              </a:ext>
+            </a:extLst>
+          </p:cNvPr>
+          <p:cNvSpPr/>
+          <p:nvPr/>
+        </p:nvSpPr>
+        <p:spPr>
+          <a:xfrm>
+            <a:off x="880187" y="5052398"/>
+            <a:ext cx="10431625" cy="1212980"/>
+          </a:xfrm>
+          <a:prstGeom prst="roundRect">
+            <a:avLst/>
+          </a:prstGeom>
+        </p:spPr>
+        <p:style>
+          <a:lnRef idx="2">
+            <a:schemeClr val="accent1">
+              <a:shade val="50000"/>
+            </a:schemeClr>
+          </a:lnRef>
+          <a:fillRef idx="1">
+            <a:schemeClr val="accent1"/>
+          </a:fillRef>
+          <a:effectRef idx="0">
+            <a:schemeClr val="accent1"/>
+          </a:effectRef>
+          <a:fontRef idx="minor">
+            <a:schemeClr val="lt1"/>
+          </a:fontRef>
+        </p:style>
+        <p:txBody>
+          <a:bodyPr rtlCol="0" anchor="ctr"/>
+          <a:lstStyle/>
+          <a:p>
+            <a:pPr algn="ctr"/>
+            <a:r>
+              <a:rPr lang="ru-RU" b="1" i="1" dirty="0">
+                <a:solidFill>
+                  <a:srgbClr val="FFFF00"/>
+                </a:solidFill>
+              </a:rPr>
+              <a:t>Литерал</a:t>
+            </a:r>
+            <a:r>
+              <a:rPr lang="ru-RU" i="1" dirty="0"/>
+              <a:t> (англ. </a:t>
+            </a:r>
+            <a:r>
+              <a:rPr lang="ru-RU" b="1" i="1" dirty="0" err="1"/>
+              <a:t>literal</a:t>
+            </a:r>
+            <a:r>
+              <a:rPr lang="ru-RU" i="1" dirty="0"/>
+              <a:t> ) — запись в исходном коде компьютерной программы, представляющая собой фиксированное значение.</a:t>
+            </a:r>
+            <a:endParaRPr lang="ru-RU" dirty="0"/>
+          </a:p>
+        </p:txBody>
+      </p:sp>
+    </p:spTree>
+    <p:extLst>
+      <p:ext uri="{BB962C8B-B14F-4D97-AF65-F5344CB8AC3E}">
+        <p14:creationId xmlns:p14="http://schemas.microsoft.com/office/powerpoint/2010/main" val="397296671"/>
+      </p:ext>
+    </p:extLst>
+  </p:cSld>
+  <p:clrMapOvr>
+    <a:masterClrMapping/>
+  </p:clrMapOvr>
+</p:sld>
+</file>
+
+<file path=ppt/slides/slide8.xml><?xml version="1.0" encoding="utf-8"?>
 <p:sld xmlns:a="http://schemas.openxmlformats.org/drawingml/2006/main" xmlns:r="http://schemas.openxmlformats.org/officeDocument/2006/relationships" xmlns:p="http://schemas.openxmlformats.org/presentationml/2006/main">
   <p:cSld>
     <p:spTree>
@@ -5027,7 +7230,7 @@
 </p:sld>
 </file>
 
-<file path=ppt/slides/slide11.xml><?xml version="1.0" encoding="utf-8"?>
+<file path=ppt/slides/slide9.xml><?xml version="1.0" encoding="utf-8"?>
 <p:sld xmlns:a="http://schemas.openxmlformats.org/drawingml/2006/main" xmlns:r="http://schemas.openxmlformats.org/officeDocument/2006/relationships" xmlns:p="http://schemas.openxmlformats.org/presentationml/2006/main">
   <p:cSld>
     <p:spTree>
@@ -5233,2927 +7436,6 @@
     <p:extLst>
       <p:ext uri="{BB962C8B-B14F-4D97-AF65-F5344CB8AC3E}">
         <p14:creationId xmlns:p14="http://schemas.microsoft.com/office/powerpoint/2010/main" val="3046356276"/>
-      </p:ext>
-    </p:extLst>
-  </p:cSld>
-  <p:clrMapOvr>
-    <a:masterClrMapping/>
-  </p:clrMapOvr>
-</p:sld>
-</file>
-
-<file path=ppt/slides/slide2.xml><?xml version="1.0" encoding="utf-8"?>
-<p:sld xmlns:a="http://schemas.openxmlformats.org/drawingml/2006/main" xmlns:r="http://schemas.openxmlformats.org/officeDocument/2006/relationships" xmlns:p="http://schemas.openxmlformats.org/presentationml/2006/main">
-  <p:cSld>
-    <p:spTree>
-      <p:nvGrpSpPr>
-        <p:cNvPr id="1" name="Shape 93"/>
-        <p:cNvGrpSpPr/>
-        <p:nvPr/>
-      </p:nvGrpSpPr>
-      <p:grpSpPr>
-        <a:xfrm>
-          <a:off x="0" y="0"/>
-          <a:ext cx="0" cy="0"/>
-          <a:chOff x="0" y="0"/>
-          <a:chExt cx="0" cy="0"/>
-        </a:xfrm>
-      </p:grpSpPr>
-      <p:pic>
-        <p:nvPicPr>
-          <p:cNvPr id="4" name="Рисунок 3">
-            <a:extLst>
-              <a:ext uri="{FF2B5EF4-FFF2-40B4-BE49-F238E27FC236}">
-                <a16:creationId xmlns:a16="http://schemas.microsoft.com/office/drawing/2014/main" id="{8FA105D8-8AFD-4DFC-B91A-D2F61D476E95}"/>
-              </a:ext>
-            </a:extLst>
-          </p:cNvPr>
-          <p:cNvPicPr>
-            <a:picLocks noChangeAspect="1"/>
-          </p:cNvPicPr>
-          <p:nvPr/>
-        </p:nvPicPr>
-        <p:blipFill>
-          <a:blip r:embed="rId3">
-            <a:extLst>
-              <a:ext uri="{28A0092B-C50C-407E-A947-70E740481C1C}">
-                <a14:useLocalDpi xmlns:a14="http://schemas.microsoft.com/office/drawing/2010/main" val="0"/>
-              </a:ext>
-            </a:extLst>
-          </a:blip>
-          <a:stretch>
-            <a:fillRect/>
-          </a:stretch>
-        </p:blipFill>
-        <p:spPr>
-          <a:xfrm>
-            <a:off x="0" y="0"/>
-            <a:ext cx="12192000" cy="6858000"/>
-          </a:xfrm>
-          <a:prstGeom prst="rect">
-            <a:avLst/>
-          </a:prstGeom>
-        </p:spPr>
-      </p:pic>
-      <p:sp>
-        <p:nvSpPr>
-          <p:cNvPr id="94" name="Google Shape;94;p2"/>
-          <p:cNvSpPr/>
-          <p:nvPr/>
-        </p:nvSpPr>
-        <p:spPr>
-          <a:xfrm>
-            <a:off x="1674305" y="5221608"/>
-            <a:ext cx="9473700" cy="1015800"/>
-          </a:xfrm>
-          <a:prstGeom prst="rect">
-            <a:avLst/>
-          </a:prstGeom>
-          <a:noFill/>
-          <a:ln>
-            <a:noFill/>
-          </a:ln>
-        </p:spPr>
-        <p:txBody>
-          <a:bodyPr spcFirstLastPara="1" wrap="square" lIns="91425" tIns="45700" rIns="91425" bIns="45700" anchor="t" anchorCtr="0">
-            <a:spAutoFit/>
-          </a:bodyPr>
-          <a:lstStyle/>
-          <a:p>
-            <a:pPr marL="0" marR="0" lvl="0" indent="0" algn="ctr" rtl="0">
-              <a:lnSpc>
-                <a:spcPct val="100000"/>
-              </a:lnSpc>
-              <a:spcBef>
-                <a:spcPts val="0"/>
-              </a:spcBef>
-              <a:spcAft>
-                <a:spcPts val="0"/>
-              </a:spcAft>
-              <a:buClr>
-                <a:schemeClr val="dk1"/>
-              </a:buClr>
-              <a:buSzPts val="1100"/>
-              <a:buFont typeface="Arial"/>
-              <a:buNone/>
-            </a:pPr>
-            <a:r>
-              <a:rPr lang="en-US" sz="2000" dirty="0" err="1">
-                <a:solidFill>
-                  <a:srgbClr val="074D67"/>
-                </a:solidFill>
-                <a:latin typeface="Poppins"/>
-                <a:ea typeface="Poppins"/>
-                <a:cs typeface="Poppins"/>
-                <a:sym typeface="Poppins"/>
-              </a:rPr>
-              <a:t>Программа</a:t>
-            </a:r>
-            <a:r>
-              <a:rPr lang="en-US" sz="2000" dirty="0">
-                <a:solidFill>
-                  <a:srgbClr val="074D67"/>
-                </a:solidFill>
-                <a:latin typeface="Poppins"/>
-                <a:ea typeface="Poppins"/>
-                <a:cs typeface="Poppins"/>
-                <a:sym typeface="Poppins"/>
-              </a:rPr>
-              <a:t> </a:t>
-            </a:r>
-            <a:r>
-              <a:rPr lang="en-US" sz="2000" dirty="0" err="1">
-                <a:solidFill>
-                  <a:srgbClr val="074D67"/>
-                </a:solidFill>
-                <a:latin typeface="Poppins"/>
-                <a:ea typeface="Poppins"/>
-                <a:cs typeface="Poppins"/>
-                <a:sym typeface="Poppins"/>
-              </a:rPr>
-              <a:t>наноспутникового</a:t>
-            </a:r>
-            <a:r>
-              <a:rPr lang="en-US" sz="2000" dirty="0">
-                <a:solidFill>
-                  <a:srgbClr val="074D67"/>
-                </a:solidFill>
-                <a:latin typeface="Poppins"/>
-                <a:ea typeface="Poppins"/>
-                <a:cs typeface="Poppins"/>
-                <a:sym typeface="Poppins"/>
-              </a:rPr>
-              <a:t> </a:t>
-            </a:r>
-            <a:r>
-              <a:rPr lang="en-US" sz="2000" dirty="0" err="1">
-                <a:solidFill>
-                  <a:srgbClr val="074D67"/>
-                </a:solidFill>
-                <a:latin typeface="Poppins"/>
-                <a:ea typeface="Poppins"/>
-                <a:cs typeface="Poppins"/>
-                <a:sym typeface="Poppins"/>
-              </a:rPr>
-              <a:t>образования</a:t>
-            </a:r>
-            <a:r>
-              <a:rPr lang="en-US" sz="2000" dirty="0">
-                <a:solidFill>
-                  <a:srgbClr val="074D67"/>
-                </a:solidFill>
-                <a:latin typeface="Poppins"/>
-                <a:ea typeface="Poppins"/>
-                <a:cs typeface="Poppins"/>
-                <a:sym typeface="Poppins"/>
-              </a:rPr>
-              <a:t> </a:t>
-            </a:r>
-            <a:r>
-              <a:rPr lang="en-US" sz="2000" dirty="0" err="1">
-                <a:solidFill>
-                  <a:srgbClr val="074D67"/>
-                </a:solidFill>
-                <a:latin typeface="Poppins"/>
-                <a:ea typeface="Poppins"/>
-                <a:cs typeface="Poppins"/>
-                <a:sym typeface="Poppins"/>
-              </a:rPr>
-              <a:t>UniSat</a:t>
-            </a:r>
-            <a:r>
-              <a:rPr lang="en-US" sz="2000" dirty="0">
-                <a:solidFill>
-                  <a:srgbClr val="074D67"/>
-                </a:solidFill>
-                <a:latin typeface="Poppins"/>
-                <a:ea typeface="Poppins"/>
-                <a:cs typeface="Poppins"/>
-                <a:sym typeface="Poppins"/>
-              </a:rPr>
-              <a:t> </a:t>
-            </a:r>
-            <a:r>
-              <a:rPr lang="en-US" sz="2000" dirty="0" err="1">
-                <a:solidFill>
-                  <a:srgbClr val="074D67"/>
-                </a:solidFill>
-                <a:latin typeface="Poppins"/>
-                <a:ea typeface="Poppins"/>
-                <a:cs typeface="Poppins"/>
-                <a:sym typeface="Poppins"/>
-              </a:rPr>
-              <a:t>для</a:t>
-            </a:r>
-            <a:r>
-              <a:rPr lang="en-US" sz="2000" dirty="0">
-                <a:solidFill>
-                  <a:srgbClr val="074D67"/>
-                </a:solidFill>
-                <a:latin typeface="Poppins"/>
-                <a:ea typeface="Poppins"/>
-                <a:cs typeface="Poppins"/>
-                <a:sym typeface="Poppins"/>
-              </a:rPr>
-              <a:t> </a:t>
-            </a:r>
-            <a:r>
-              <a:rPr lang="en-US" sz="2000" dirty="0" err="1">
-                <a:solidFill>
-                  <a:srgbClr val="074D67"/>
-                </a:solidFill>
-                <a:latin typeface="Poppins"/>
-                <a:ea typeface="Poppins"/>
-                <a:cs typeface="Poppins"/>
-                <a:sym typeface="Poppins"/>
-              </a:rPr>
-              <a:t>девочек</a:t>
-            </a:r>
-            <a:r>
-              <a:rPr lang="en-US" sz="2000" dirty="0">
-                <a:solidFill>
-                  <a:srgbClr val="074D67"/>
-                </a:solidFill>
-                <a:latin typeface="Poppins"/>
-                <a:ea typeface="Poppins"/>
-                <a:cs typeface="Poppins"/>
-                <a:sym typeface="Poppins"/>
-              </a:rPr>
-              <a:t> (UNEPG) </a:t>
-            </a:r>
-            <a:r>
-              <a:rPr lang="en-US" sz="2000" dirty="0" err="1">
-                <a:solidFill>
-                  <a:srgbClr val="074D67"/>
-                </a:solidFill>
-                <a:latin typeface="Poppins"/>
-                <a:ea typeface="Poppins"/>
-                <a:cs typeface="Poppins"/>
-                <a:sym typeface="Poppins"/>
-              </a:rPr>
-              <a:t>является</a:t>
-            </a:r>
-            <a:r>
-              <a:rPr lang="en-US" sz="2000" dirty="0">
-                <a:solidFill>
-                  <a:srgbClr val="074D67"/>
-                </a:solidFill>
-                <a:latin typeface="Poppins"/>
-                <a:ea typeface="Poppins"/>
-                <a:cs typeface="Poppins"/>
-                <a:sym typeface="Poppins"/>
-              </a:rPr>
-              <a:t> </a:t>
-            </a:r>
-            <a:r>
-              <a:rPr lang="en-US" sz="2000" dirty="0" err="1">
-                <a:solidFill>
-                  <a:srgbClr val="074D67"/>
-                </a:solidFill>
-                <a:latin typeface="Poppins"/>
-                <a:ea typeface="Poppins"/>
-                <a:cs typeface="Poppins"/>
-                <a:sym typeface="Poppins"/>
-              </a:rPr>
-              <a:t>совместным</a:t>
-            </a:r>
-            <a:r>
-              <a:rPr lang="en-US" sz="2000" dirty="0">
-                <a:solidFill>
-                  <a:srgbClr val="074D67"/>
-                </a:solidFill>
-                <a:latin typeface="Poppins"/>
-                <a:ea typeface="Poppins"/>
-                <a:cs typeface="Poppins"/>
-                <a:sym typeface="Poppins"/>
-              </a:rPr>
-              <a:t> </a:t>
-            </a:r>
-            <a:r>
-              <a:rPr lang="en-US" sz="2000" dirty="0" err="1">
-                <a:solidFill>
-                  <a:srgbClr val="074D67"/>
-                </a:solidFill>
-                <a:latin typeface="Poppins"/>
-                <a:ea typeface="Poppins"/>
-                <a:cs typeface="Poppins"/>
-                <a:sym typeface="Poppins"/>
-              </a:rPr>
-              <a:t>проектом</a:t>
-            </a:r>
-            <a:r>
-              <a:rPr lang="en-US" sz="2000" dirty="0">
-                <a:solidFill>
-                  <a:srgbClr val="074D67"/>
-                </a:solidFill>
-                <a:latin typeface="Poppins"/>
-                <a:ea typeface="Poppins"/>
-                <a:cs typeface="Poppins"/>
-                <a:sym typeface="Poppins"/>
-              </a:rPr>
-              <a:t> ЮНИСЕФ в </a:t>
-            </a:r>
-            <a:r>
-              <a:rPr lang="en-US" sz="2000" dirty="0" err="1">
-                <a:solidFill>
-                  <a:srgbClr val="074D67"/>
-                </a:solidFill>
-                <a:latin typeface="Poppins"/>
-                <a:ea typeface="Poppins"/>
-                <a:cs typeface="Poppins"/>
-                <a:sym typeface="Poppins"/>
-              </a:rPr>
-              <a:t>Казахстане</a:t>
-            </a:r>
-            <a:r>
-              <a:rPr lang="en-US" sz="2000" dirty="0">
-                <a:solidFill>
-                  <a:srgbClr val="074D67"/>
-                </a:solidFill>
-                <a:latin typeface="Poppins"/>
-                <a:ea typeface="Poppins"/>
-                <a:cs typeface="Poppins"/>
-                <a:sym typeface="Poppins"/>
-              </a:rPr>
-              <a:t> и </a:t>
-            </a:r>
-            <a:r>
-              <a:rPr lang="en-US" sz="2000" dirty="0" err="1">
-                <a:solidFill>
-                  <a:srgbClr val="074D67"/>
-                </a:solidFill>
-                <a:latin typeface="Poppins"/>
-                <a:ea typeface="Poppins"/>
-                <a:cs typeface="Poppins"/>
-                <a:sym typeface="Poppins"/>
-              </a:rPr>
-              <a:t>Научного</a:t>
-            </a:r>
-            <a:r>
-              <a:rPr lang="en-US" sz="2000" dirty="0">
-                <a:solidFill>
-                  <a:srgbClr val="074D67"/>
-                </a:solidFill>
-                <a:latin typeface="Poppins"/>
-                <a:ea typeface="Poppins"/>
-                <a:cs typeface="Poppins"/>
-                <a:sym typeface="Poppins"/>
-              </a:rPr>
-              <a:t> </a:t>
-            </a:r>
-            <a:r>
-              <a:rPr lang="en-US" sz="2000" dirty="0" err="1">
-                <a:solidFill>
-                  <a:srgbClr val="074D67"/>
-                </a:solidFill>
-                <a:latin typeface="Poppins"/>
-                <a:ea typeface="Poppins"/>
-                <a:cs typeface="Poppins"/>
-                <a:sym typeface="Poppins"/>
-              </a:rPr>
-              <a:t>парка</a:t>
-            </a:r>
-            <a:r>
-              <a:rPr lang="en-US" sz="2000" dirty="0">
-                <a:solidFill>
-                  <a:srgbClr val="074D67"/>
-                </a:solidFill>
-                <a:latin typeface="Poppins"/>
-                <a:ea typeface="Poppins"/>
-                <a:cs typeface="Poppins"/>
-                <a:sym typeface="Poppins"/>
-              </a:rPr>
-              <a:t> </a:t>
-            </a:r>
-            <a:r>
-              <a:rPr lang="en-US" sz="2000" dirty="0" err="1">
-                <a:solidFill>
-                  <a:srgbClr val="074D67"/>
-                </a:solidFill>
-                <a:latin typeface="Poppins"/>
-                <a:ea typeface="Poppins"/>
-                <a:cs typeface="Poppins"/>
-                <a:sym typeface="Poppins"/>
-              </a:rPr>
-              <a:t>Казахского</a:t>
-            </a:r>
-            <a:r>
-              <a:rPr lang="en-US" sz="2000" dirty="0">
-                <a:solidFill>
-                  <a:srgbClr val="074D67"/>
-                </a:solidFill>
-                <a:latin typeface="Poppins"/>
-                <a:ea typeface="Poppins"/>
-                <a:cs typeface="Poppins"/>
-                <a:sym typeface="Poppins"/>
-              </a:rPr>
-              <a:t> </a:t>
-            </a:r>
-            <a:r>
-              <a:rPr lang="en-US" sz="2000" dirty="0" err="1">
-                <a:solidFill>
-                  <a:srgbClr val="074D67"/>
-                </a:solidFill>
-                <a:latin typeface="Poppins"/>
-                <a:ea typeface="Poppins"/>
-                <a:cs typeface="Poppins"/>
-                <a:sym typeface="Poppins"/>
-              </a:rPr>
-              <a:t>национального</a:t>
-            </a:r>
-            <a:r>
-              <a:rPr lang="en-US" sz="2000" dirty="0">
-                <a:solidFill>
-                  <a:srgbClr val="074D67"/>
-                </a:solidFill>
-                <a:latin typeface="Poppins"/>
-                <a:ea typeface="Poppins"/>
-                <a:cs typeface="Poppins"/>
-                <a:sym typeface="Poppins"/>
-              </a:rPr>
-              <a:t> </a:t>
-            </a:r>
-            <a:r>
-              <a:rPr lang="en-US" sz="2000" dirty="0" err="1">
-                <a:solidFill>
-                  <a:srgbClr val="074D67"/>
-                </a:solidFill>
-                <a:latin typeface="Poppins"/>
-                <a:ea typeface="Poppins"/>
-                <a:cs typeface="Poppins"/>
-                <a:sym typeface="Poppins"/>
-              </a:rPr>
-              <a:t>университета</a:t>
-            </a:r>
-            <a:r>
-              <a:rPr lang="en-US" sz="2000" dirty="0">
-                <a:solidFill>
-                  <a:srgbClr val="074D67"/>
-                </a:solidFill>
-                <a:latin typeface="Poppins"/>
-                <a:ea typeface="Poppins"/>
-                <a:cs typeface="Poppins"/>
-                <a:sym typeface="Poppins"/>
-              </a:rPr>
-              <a:t> </a:t>
-            </a:r>
-            <a:r>
-              <a:rPr lang="en-US" sz="2000" dirty="0" err="1">
-                <a:solidFill>
-                  <a:srgbClr val="074D67"/>
-                </a:solidFill>
-                <a:latin typeface="Poppins"/>
-                <a:ea typeface="Poppins"/>
-                <a:cs typeface="Poppins"/>
-                <a:sym typeface="Poppins"/>
-              </a:rPr>
-              <a:t>имени</a:t>
-            </a:r>
-            <a:r>
-              <a:rPr lang="en-US" sz="2000" dirty="0">
-                <a:solidFill>
-                  <a:srgbClr val="074D67"/>
-                </a:solidFill>
-                <a:latin typeface="Poppins"/>
-                <a:ea typeface="Poppins"/>
-                <a:cs typeface="Poppins"/>
-                <a:sym typeface="Poppins"/>
-              </a:rPr>
-              <a:t> </a:t>
-            </a:r>
-            <a:r>
-              <a:rPr lang="en-US" sz="2000" dirty="0" err="1">
-                <a:solidFill>
-                  <a:srgbClr val="074D67"/>
-                </a:solidFill>
-                <a:latin typeface="Poppins"/>
-                <a:ea typeface="Poppins"/>
-                <a:cs typeface="Poppins"/>
-                <a:sym typeface="Poppins"/>
-              </a:rPr>
-              <a:t>Аль</a:t>
-            </a:r>
-            <a:r>
-              <a:rPr lang="en-US" sz="2000" dirty="0">
-                <a:solidFill>
-                  <a:srgbClr val="074D67"/>
-                </a:solidFill>
-                <a:latin typeface="Poppins"/>
-                <a:ea typeface="Poppins"/>
-                <a:cs typeface="Poppins"/>
-                <a:sym typeface="Poppins"/>
-              </a:rPr>
-              <a:t>–</a:t>
-            </a:r>
-            <a:r>
-              <a:rPr lang="en-US" sz="2000" dirty="0" err="1">
-                <a:solidFill>
-                  <a:srgbClr val="074D67"/>
-                </a:solidFill>
-                <a:latin typeface="Poppins"/>
-                <a:ea typeface="Poppins"/>
-                <a:cs typeface="Poppins"/>
-                <a:sym typeface="Poppins"/>
-              </a:rPr>
-              <a:t>Фараби</a:t>
-            </a:r>
-            <a:endParaRPr sz="2000" dirty="0">
-              <a:solidFill>
-                <a:srgbClr val="074D67"/>
-              </a:solidFill>
-              <a:latin typeface="Poppins"/>
-              <a:ea typeface="Poppins"/>
-              <a:cs typeface="Poppins"/>
-              <a:sym typeface="Poppins"/>
-            </a:endParaRPr>
-          </a:p>
-          <a:p>
-            <a:pPr marL="0" marR="0" lvl="0" indent="0" algn="ctr" rtl="0">
-              <a:lnSpc>
-                <a:spcPct val="100000"/>
-              </a:lnSpc>
-              <a:spcBef>
-                <a:spcPts val="0"/>
-              </a:spcBef>
-              <a:spcAft>
-                <a:spcPts val="0"/>
-              </a:spcAft>
-              <a:buClr>
-                <a:srgbClr val="000000"/>
-              </a:buClr>
-              <a:buSzPts val="2000"/>
-              <a:buFont typeface="Arial"/>
-              <a:buNone/>
-            </a:pPr>
-            <a:endParaRPr sz="2000" dirty="0">
-              <a:solidFill>
-                <a:srgbClr val="074D67"/>
-              </a:solidFill>
-              <a:latin typeface="Poppins"/>
-              <a:ea typeface="Poppins"/>
-              <a:cs typeface="Poppins"/>
-              <a:sym typeface="Poppins"/>
-            </a:endParaRPr>
-          </a:p>
-        </p:txBody>
-      </p:sp>
-      <p:sp>
-        <p:nvSpPr>
-          <p:cNvPr id="95" name="Google Shape;95;p2"/>
-          <p:cNvSpPr txBox="1"/>
-          <p:nvPr/>
-        </p:nvSpPr>
-        <p:spPr>
-          <a:xfrm>
-            <a:off x="560914" y="0"/>
-            <a:ext cx="11352942" cy="1613043"/>
-          </a:xfrm>
-          <a:prstGeom prst="rect">
-            <a:avLst/>
-          </a:prstGeom>
-          <a:noFill/>
-          <a:ln>
-            <a:noFill/>
-          </a:ln>
-        </p:spPr>
-        <p:txBody>
-          <a:bodyPr spcFirstLastPara="1" wrap="square" lIns="91425" tIns="45700" rIns="91425" bIns="45700" anchor="ctr" anchorCtr="0">
-            <a:noAutofit/>
-          </a:bodyPr>
-          <a:lstStyle/>
-          <a:p>
-            <a:pPr marL="0" marR="0" lvl="0" indent="0" algn="ctr" rtl="0">
-              <a:lnSpc>
-                <a:spcPct val="100000"/>
-              </a:lnSpc>
-              <a:spcBef>
-                <a:spcPts val="0"/>
-              </a:spcBef>
-              <a:spcAft>
-                <a:spcPts val="0"/>
-              </a:spcAft>
-              <a:buClr>
-                <a:srgbClr val="FCB414"/>
-              </a:buClr>
-              <a:buSzPts val="2800"/>
-              <a:buFont typeface="Poppins"/>
-              <a:buNone/>
-            </a:pPr>
-            <a:r>
-              <a:rPr lang="en-US" sz="2800">
-                <a:solidFill>
-                  <a:srgbClr val="FCB414"/>
-                </a:solidFill>
-                <a:latin typeface="Poppins"/>
-                <a:ea typeface="Poppins"/>
-                <a:cs typeface="Poppins"/>
-                <a:sym typeface="Poppins"/>
-              </a:rPr>
-              <a:t>Запустите свои мечты:</a:t>
-            </a:r>
-            <a:r>
-              <a:rPr lang="en-US" sz="2800">
-                <a:solidFill>
-                  <a:schemeClr val="dk1"/>
-                </a:solidFill>
-                <a:latin typeface="Poppins"/>
-                <a:ea typeface="Poppins"/>
-                <a:cs typeface="Poppins"/>
-                <a:sym typeface="Poppins"/>
-              </a:rPr>
-              <a:t> Образовательная программа для девочек с наноспутником UniSat </a:t>
-            </a:r>
-            <a:endParaRPr sz="2800" b="0" i="0" u="none" strike="noStrike" cap="none">
-              <a:solidFill>
-                <a:schemeClr val="dk1"/>
-              </a:solidFill>
-              <a:latin typeface="Poppins"/>
-              <a:ea typeface="Poppins"/>
-              <a:cs typeface="Poppins"/>
-              <a:sym typeface="Poppins"/>
-            </a:endParaRPr>
-          </a:p>
-        </p:txBody>
-      </p:sp>
-    </p:spTree>
-  </p:cSld>
-  <p:clrMapOvr>
-    <a:masterClrMapping/>
-  </p:clrMapOvr>
-</p:sld>
-</file>
-
-<file path=ppt/slides/slide3.xml><?xml version="1.0" encoding="utf-8"?>
-<p:sld xmlns:a="http://schemas.openxmlformats.org/drawingml/2006/main" xmlns:r="http://schemas.openxmlformats.org/officeDocument/2006/relationships" xmlns:p="http://schemas.openxmlformats.org/presentationml/2006/main">
-  <p:cSld>
-    <p:spTree>
-      <p:nvGrpSpPr>
-        <p:cNvPr id="1" name=""/>
-        <p:cNvGrpSpPr/>
-        <p:nvPr/>
-      </p:nvGrpSpPr>
-      <p:grpSpPr>
-        <a:xfrm>
-          <a:off x="0" y="0"/>
-          <a:ext cx="0" cy="0"/>
-          <a:chOff x="0" y="0"/>
-          <a:chExt cx="0" cy="0"/>
-        </a:xfrm>
-      </p:grpSpPr>
-      <p:sp>
-        <p:nvSpPr>
-          <p:cNvPr id="4" name="Прямоугольник 3">
-            <a:extLst>
-              <a:ext uri="{FF2B5EF4-FFF2-40B4-BE49-F238E27FC236}">
-                <a16:creationId xmlns:a16="http://schemas.microsoft.com/office/drawing/2014/main" id="{30EC923F-8745-416D-9CDA-E6F03BDEFA66}"/>
-              </a:ext>
-            </a:extLst>
-          </p:cNvPr>
-          <p:cNvSpPr/>
-          <p:nvPr/>
-        </p:nvSpPr>
-        <p:spPr>
-          <a:xfrm>
-            <a:off x="569167" y="242596"/>
-            <a:ext cx="11150082" cy="811763"/>
-          </a:xfrm>
-          <a:prstGeom prst="rect">
-            <a:avLst/>
-          </a:prstGeom>
-        </p:spPr>
-        <p:style>
-          <a:lnRef idx="2">
-            <a:schemeClr val="accent1">
-              <a:shade val="50000"/>
-            </a:schemeClr>
-          </a:lnRef>
-          <a:fillRef idx="1">
-            <a:schemeClr val="accent1"/>
-          </a:fillRef>
-          <a:effectRef idx="0">
-            <a:schemeClr val="accent1"/>
-          </a:effectRef>
-          <a:fontRef idx="minor">
-            <a:schemeClr val="lt1"/>
-          </a:fontRef>
-        </p:style>
-        <p:txBody>
-          <a:bodyPr rtlCol="0" anchor="ctr"/>
-          <a:lstStyle/>
-          <a:p>
-            <a:pPr algn="ctr"/>
-            <a:r>
-              <a:rPr lang="ru-RU" sz="3200" b="1" dirty="0">
-                <a:ln w="12700" cmpd="sng">
-                  <a:solidFill>
-                    <a:schemeClr val="accent4"/>
-                  </a:solidFill>
-                  <a:prstDash val="solid"/>
-                </a:ln>
-                <a:gradFill>
-                  <a:gsLst>
-                    <a:gs pos="0">
-                      <a:schemeClr val="accent4"/>
-                    </a:gs>
-                    <a:gs pos="4000">
-                      <a:schemeClr val="accent4">
-                        <a:lumMod val="60000"/>
-                        <a:lumOff val="40000"/>
-                      </a:schemeClr>
-                    </a:gs>
-                    <a:gs pos="87000">
-                      <a:schemeClr val="accent4">
-                        <a:lumMod val="20000"/>
-                        <a:lumOff val="80000"/>
-                      </a:schemeClr>
-                    </a:gs>
-                  </a:gsLst>
-                  <a:lin ang="5400000"/>
-                </a:gradFill>
-              </a:rPr>
-              <a:t>Курс по основам программирования на языке </a:t>
-            </a:r>
-            <a:r>
-              <a:rPr lang="en-US" sz="3200" b="1" dirty="0">
-                <a:ln w="12700" cmpd="sng">
-                  <a:solidFill>
-                    <a:schemeClr val="accent4"/>
-                  </a:solidFill>
-                  <a:prstDash val="solid"/>
-                </a:ln>
-                <a:gradFill>
-                  <a:gsLst>
-                    <a:gs pos="0">
-                      <a:schemeClr val="accent4"/>
-                    </a:gs>
-                    <a:gs pos="4000">
-                      <a:schemeClr val="accent4">
-                        <a:lumMod val="60000"/>
-                        <a:lumOff val="40000"/>
-                      </a:schemeClr>
-                    </a:gs>
-                    <a:gs pos="87000">
-                      <a:schemeClr val="accent4">
-                        <a:lumMod val="20000"/>
-                        <a:lumOff val="80000"/>
-                      </a:schemeClr>
-                    </a:gs>
-                  </a:gsLst>
-                  <a:lin ang="5400000"/>
-                </a:gradFill>
-              </a:rPr>
-              <a:t>Python</a:t>
-            </a:r>
-            <a:endParaRPr lang="ru-RU" sz="3200" b="1" dirty="0">
-              <a:ln w="12700" cmpd="sng">
-                <a:solidFill>
-                  <a:schemeClr val="accent4"/>
-                </a:solidFill>
-                <a:prstDash val="solid"/>
-              </a:ln>
-              <a:gradFill>
-                <a:gsLst>
-                  <a:gs pos="0">
-                    <a:schemeClr val="accent4"/>
-                  </a:gs>
-                  <a:gs pos="4000">
-                    <a:schemeClr val="accent4">
-                      <a:lumMod val="60000"/>
-                      <a:lumOff val="40000"/>
-                    </a:schemeClr>
-                  </a:gs>
-                  <a:gs pos="87000">
-                    <a:schemeClr val="accent4">
-                      <a:lumMod val="20000"/>
-                      <a:lumOff val="80000"/>
-                    </a:schemeClr>
-                  </a:gs>
-                </a:gsLst>
-                <a:lin ang="5400000"/>
-              </a:gradFill>
-            </a:endParaRPr>
-          </a:p>
-        </p:txBody>
-      </p:sp>
-      <p:pic>
-        <p:nvPicPr>
-          <p:cNvPr id="6" name="Рисунок 5">
-            <a:extLst>
-              <a:ext uri="{FF2B5EF4-FFF2-40B4-BE49-F238E27FC236}">
-                <a16:creationId xmlns:a16="http://schemas.microsoft.com/office/drawing/2014/main" id="{4EAC04ED-64A6-49DA-A9CB-A7664E4A2E73}"/>
-              </a:ext>
-            </a:extLst>
-          </p:cNvPr>
-          <p:cNvPicPr>
-            <a:picLocks noChangeAspect="1"/>
-          </p:cNvPicPr>
-          <p:nvPr/>
-        </p:nvPicPr>
-        <p:blipFill>
-          <a:blip r:embed="rId2">
-            <a:extLst>
-              <a:ext uri="{28A0092B-C50C-407E-A947-70E740481C1C}">
-                <a14:useLocalDpi xmlns:a14="http://schemas.microsoft.com/office/drawing/2010/main" val="0"/>
-              </a:ext>
-            </a:extLst>
-          </a:blip>
-          <a:stretch>
-            <a:fillRect/>
-          </a:stretch>
-        </p:blipFill>
-        <p:spPr>
-          <a:xfrm>
-            <a:off x="2052735" y="1220754"/>
-            <a:ext cx="7585788" cy="3816221"/>
-          </a:xfrm>
-          <a:prstGeom prst="rect">
-            <a:avLst/>
-          </a:prstGeom>
-        </p:spPr>
-      </p:pic>
-      <p:sp>
-        <p:nvSpPr>
-          <p:cNvPr id="9" name="Прямоугольник: скругленные углы 8">
-            <a:extLst>
-              <a:ext uri="{FF2B5EF4-FFF2-40B4-BE49-F238E27FC236}">
-                <a16:creationId xmlns:a16="http://schemas.microsoft.com/office/drawing/2014/main" id="{19D319E9-45A7-45D8-BCB0-EFC0D71B64CA}"/>
-              </a:ext>
-            </a:extLst>
-          </p:cNvPr>
-          <p:cNvSpPr/>
-          <p:nvPr/>
-        </p:nvSpPr>
-        <p:spPr>
-          <a:xfrm>
-            <a:off x="1110343" y="5159829"/>
-            <a:ext cx="9806473" cy="1576873"/>
-          </a:xfrm>
-          <a:prstGeom prst="roundRect">
-            <a:avLst/>
-          </a:prstGeom>
-        </p:spPr>
-        <p:style>
-          <a:lnRef idx="2">
-            <a:schemeClr val="accent1">
-              <a:shade val="50000"/>
-            </a:schemeClr>
-          </a:lnRef>
-          <a:fillRef idx="1">
-            <a:schemeClr val="accent1"/>
-          </a:fillRef>
-          <a:effectRef idx="0">
-            <a:schemeClr val="accent1"/>
-          </a:effectRef>
-          <a:fontRef idx="minor">
-            <a:schemeClr val="lt1"/>
-          </a:fontRef>
-        </p:style>
-        <p:txBody>
-          <a:bodyPr rtlCol="0" anchor="ctr"/>
-          <a:lstStyle/>
-          <a:p>
-            <a:r>
-              <a:rPr lang="ru-RU" dirty="0" err="1">
-                <a:solidFill>
-                  <a:srgbClr val="FFFF00"/>
-                </a:solidFill>
-              </a:rPr>
-              <a:t>Python</a:t>
-            </a:r>
-            <a:r>
-              <a:rPr lang="ru-RU" dirty="0"/>
-              <a:t> — высокоуровневый язык программирования общего назначения с динамической строгой типизацией и автоматическим управлением памятью, ориентированный на повышение производительности разработчика, читаемости кода и его качества, а также на обеспечение переносимости написанных на нём программ</a:t>
-            </a:r>
-            <a:r>
-              <a:rPr lang="en-US" dirty="0"/>
-              <a:t>.</a:t>
-            </a:r>
-            <a:endParaRPr lang="ru-RU" dirty="0"/>
-          </a:p>
-        </p:txBody>
-      </p:sp>
-    </p:spTree>
-    <p:extLst>
-      <p:ext uri="{BB962C8B-B14F-4D97-AF65-F5344CB8AC3E}">
-        <p14:creationId xmlns:p14="http://schemas.microsoft.com/office/powerpoint/2010/main" val="2852824367"/>
-      </p:ext>
-    </p:extLst>
-  </p:cSld>
-  <p:clrMapOvr>
-    <a:masterClrMapping/>
-  </p:clrMapOvr>
-</p:sld>
-</file>
-
-<file path=ppt/slides/slide4.xml><?xml version="1.0" encoding="utf-8"?>
-<p:sld xmlns:a="http://schemas.openxmlformats.org/drawingml/2006/main" xmlns:r="http://schemas.openxmlformats.org/officeDocument/2006/relationships" xmlns:p="http://schemas.openxmlformats.org/presentationml/2006/main">
-  <p:cSld>
-    <p:spTree>
-      <p:nvGrpSpPr>
-        <p:cNvPr id="1" name=""/>
-        <p:cNvGrpSpPr/>
-        <p:nvPr/>
-      </p:nvGrpSpPr>
-      <p:grpSpPr>
-        <a:xfrm>
-          <a:off x="0" y="0"/>
-          <a:ext cx="0" cy="0"/>
-          <a:chOff x="0" y="0"/>
-          <a:chExt cx="0" cy="0"/>
-        </a:xfrm>
-      </p:grpSpPr>
-      <p:sp>
-        <p:nvSpPr>
-          <p:cNvPr id="5" name="Прямоугольник 4">
-            <a:extLst>
-              <a:ext uri="{FF2B5EF4-FFF2-40B4-BE49-F238E27FC236}">
-                <a16:creationId xmlns:a16="http://schemas.microsoft.com/office/drawing/2014/main" id="{06AA9329-4C1E-4FD3-AC9F-E47E1B5E8901}"/>
-              </a:ext>
-            </a:extLst>
-          </p:cNvPr>
-          <p:cNvSpPr/>
-          <p:nvPr/>
-        </p:nvSpPr>
-        <p:spPr>
-          <a:xfrm>
-            <a:off x="569167" y="242596"/>
-            <a:ext cx="11150082" cy="811763"/>
-          </a:xfrm>
-          <a:prstGeom prst="rect">
-            <a:avLst/>
-          </a:prstGeom>
-        </p:spPr>
-        <p:style>
-          <a:lnRef idx="2">
-            <a:schemeClr val="accent1">
-              <a:shade val="50000"/>
-            </a:schemeClr>
-          </a:lnRef>
-          <a:fillRef idx="1">
-            <a:schemeClr val="accent1"/>
-          </a:fillRef>
-          <a:effectRef idx="0">
-            <a:schemeClr val="accent1"/>
-          </a:effectRef>
-          <a:fontRef idx="minor">
-            <a:schemeClr val="lt1"/>
-          </a:fontRef>
-        </p:style>
-        <p:txBody>
-          <a:bodyPr rtlCol="0" anchor="ctr"/>
-          <a:lstStyle/>
-          <a:p>
-            <a:pPr algn="ctr"/>
-            <a:r>
-              <a:rPr lang="ru-RU" sz="3200" b="1" dirty="0">
-                <a:ln w="12700" cmpd="sng">
-                  <a:solidFill>
-                    <a:schemeClr val="accent4"/>
-                  </a:solidFill>
-                  <a:prstDash val="solid"/>
-                </a:ln>
-                <a:gradFill>
-                  <a:gsLst>
-                    <a:gs pos="0">
-                      <a:schemeClr val="accent4"/>
-                    </a:gs>
-                    <a:gs pos="4000">
-                      <a:schemeClr val="accent4">
-                        <a:lumMod val="60000"/>
-                        <a:lumOff val="40000"/>
-                      </a:schemeClr>
-                    </a:gs>
-                    <a:gs pos="87000">
-                      <a:schemeClr val="accent4">
-                        <a:lumMod val="20000"/>
-                        <a:lumOff val="80000"/>
-                      </a:schemeClr>
-                    </a:gs>
-                  </a:gsLst>
-                  <a:lin ang="5400000"/>
-                </a:gradFill>
-              </a:rPr>
-              <a:t>Установка </a:t>
-            </a:r>
-            <a:r>
-              <a:rPr lang="en-US" sz="3200" b="1" dirty="0">
-                <a:ln w="12700" cmpd="sng">
-                  <a:solidFill>
-                    <a:schemeClr val="accent4"/>
-                  </a:solidFill>
-                  <a:prstDash val="solid"/>
-                </a:ln>
-                <a:gradFill>
-                  <a:gsLst>
-                    <a:gs pos="0">
-                      <a:schemeClr val="accent4"/>
-                    </a:gs>
-                    <a:gs pos="4000">
-                      <a:schemeClr val="accent4">
-                        <a:lumMod val="60000"/>
-                        <a:lumOff val="40000"/>
-                      </a:schemeClr>
-                    </a:gs>
-                    <a:gs pos="87000">
-                      <a:schemeClr val="accent4">
-                        <a:lumMod val="20000"/>
-                        <a:lumOff val="80000"/>
-                      </a:schemeClr>
-                    </a:gs>
-                  </a:gsLst>
-                  <a:lin ang="5400000"/>
-                </a:gradFill>
-              </a:rPr>
-              <a:t>IDE “</a:t>
-            </a:r>
-            <a:r>
-              <a:rPr lang="en-US" sz="3200" b="1" dirty="0" err="1">
-                <a:ln w="12700" cmpd="sng">
-                  <a:solidFill>
-                    <a:schemeClr val="accent4"/>
-                  </a:solidFill>
-                  <a:prstDash val="solid"/>
-                </a:ln>
-                <a:gradFill>
-                  <a:gsLst>
-                    <a:gs pos="0">
-                      <a:schemeClr val="accent4"/>
-                    </a:gs>
-                    <a:gs pos="4000">
-                      <a:schemeClr val="accent4">
-                        <a:lumMod val="60000"/>
-                        <a:lumOff val="40000"/>
-                      </a:schemeClr>
-                    </a:gs>
-                    <a:gs pos="87000">
-                      <a:schemeClr val="accent4">
-                        <a:lumMod val="20000"/>
-                        <a:lumOff val="80000"/>
-                      </a:schemeClr>
-                    </a:gs>
-                  </a:gsLst>
-                  <a:lin ang="5400000"/>
-                </a:gradFill>
-              </a:rPr>
-              <a:t>Thonny</a:t>
-            </a:r>
-            <a:r>
-              <a:rPr lang="en-US" sz="3200" b="1" dirty="0">
-                <a:ln w="12700" cmpd="sng">
-                  <a:solidFill>
-                    <a:schemeClr val="accent4"/>
-                  </a:solidFill>
-                  <a:prstDash val="solid"/>
-                </a:ln>
-                <a:gradFill>
-                  <a:gsLst>
-                    <a:gs pos="0">
-                      <a:schemeClr val="accent4"/>
-                    </a:gs>
-                    <a:gs pos="4000">
-                      <a:schemeClr val="accent4">
-                        <a:lumMod val="60000"/>
-                        <a:lumOff val="40000"/>
-                      </a:schemeClr>
-                    </a:gs>
-                    <a:gs pos="87000">
-                      <a:schemeClr val="accent4">
-                        <a:lumMod val="20000"/>
-                        <a:lumOff val="80000"/>
-                      </a:schemeClr>
-                    </a:gs>
-                  </a:gsLst>
-                  <a:lin ang="5400000"/>
-                </a:gradFill>
-              </a:rPr>
-              <a:t>”</a:t>
-            </a:r>
-            <a:endParaRPr lang="ru-RU" sz="3200" b="1" dirty="0">
-              <a:ln w="12700" cmpd="sng">
-                <a:solidFill>
-                  <a:schemeClr val="accent4"/>
-                </a:solidFill>
-                <a:prstDash val="solid"/>
-              </a:ln>
-              <a:gradFill>
-                <a:gsLst>
-                  <a:gs pos="0">
-                    <a:schemeClr val="accent4"/>
-                  </a:gs>
-                  <a:gs pos="4000">
-                    <a:schemeClr val="accent4">
-                      <a:lumMod val="60000"/>
-                      <a:lumOff val="40000"/>
-                    </a:schemeClr>
-                  </a:gs>
-                  <a:gs pos="87000">
-                    <a:schemeClr val="accent4">
-                      <a:lumMod val="20000"/>
-                      <a:lumOff val="80000"/>
-                    </a:schemeClr>
-                  </a:gs>
-                </a:gsLst>
-                <a:lin ang="5400000"/>
-              </a:gradFill>
-            </a:endParaRPr>
-          </a:p>
-        </p:txBody>
-      </p:sp>
-      <p:pic>
-        <p:nvPicPr>
-          <p:cNvPr id="6" name="Рисунок 5">
-            <a:extLst>
-              <a:ext uri="{FF2B5EF4-FFF2-40B4-BE49-F238E27FC236}">
-                <a16:creationId xmlns:a16="http://schemas.microsoft.com/office/drawing/2014/main" id="{ACAC0C64-55E0-41F7-A44A-6680BD27B005}"/>
-              </a:ext>
-            </a:extLst>
-          </p:cNvPr>
-          <p:cNvPicPr>
-            <a:picLocks noChangeAspect="1"/>
-          </p:cNvPicPr>
-          <p:nvPr/>
-        </p:nvPicPr>
-        <p:blipFill>
-          <a:blip r:embed="rId2"/>
-          <a:stretch>
-            <a:fillRect/>
-          </a:stretch>
-        </p:blipFill>
-        <p:spPr>
-          <a:xfrm>
-            <a:off x="1042242" y="1223723"/>
-            <a:ext cx="9843796" cy="5335697"/>
-          </a:xfrm>
-          <a:prstGeom prst="rect">
-            <a:avLst/>
-          </a:prstGeom>
-        </p:spPr>
-      </p:pic>
-      <p:sp>
-        <p:nvSpPr>
-          <p:cNvPr id="7" name="Овал 6">
-            <a:extLst>
-              <a:ext uri="{FF2B5EF4-FFF2-40B4-BE49-F238E27FC236}">
-                <a16:creationId xmlns:a16="http://schemas.microsoft.com/office/drawing/2014/main" id="{7035F5C6-C9A8-471B-B1BC-7847906BFA21}"/>
-              </a:ext>
-            </a:extLst>
-          </p:cNvPr>
-          <p:cNvSpPr/>
-          <p:nvPr/>
-        </p:nvSpPr>
-        <p:spPr>
-          <a:xfrm>
-            <a:off x="6419461" y="2068453"/>
-            <a:ext cx="550506" cy="404159"/>
-          </a:xfrm>
-          <a:prstGeom prst="ellipse">
-            <a:avLst/>
-          </a:prstGeom>
-          <a:noFill/>
-          <a:ln w="9525" cap="flat" cmpd="sng" algn="ctr">
-            <a:solidFill>
-              <a:srgbClr val="FF0000"/>
-            </a:solidFill>
-            <a:prstDash val="solid"/>
-            <a:round/>
-            <a:headEnd type="none" w="med" len="med"/>
-            <a:tailEnd type="none" w="med" len="med"/>
-          </a:ln>
-        </p:spPr>
-        <p:style>
-          <a:lnRef idx="0">
-            <a:scrgbClr r="0" g="0" b="0"/>
-          </a:lnRef>
-          <a:fillRef idx="0">
-            <a:scrgbClr r="0" g="0" b="0"/>
-          </a:fillRef>
-          <a:effectRef idx="0">
-            <a:scrgbClr r="0" g="0" b="0"/>
-          </a:effectRef>
-          <a:fontRef idx="minor">
-            <a:schemeClr val="accent2"/>
-          </a:fontRef>
-        </p:style>
-        <p:txBody>
-          <a:bodyPr rtlCol="0" anchor="ctr"/>
-          <a:lstStyle/>
-          <a:p>
-            <a:pPr algn="ctr"/>
-            <a:endParaRPr lang="ru-RU"/>
-          </a:p>
-        </p:txBody>
-      </p:sp>
-      <p:pic>
-        <p:nvPicPr>
-          <p:cNvPr id="8" name="Рисунок 7">
-            <a:extLst>
-              <a:ext uri="{FF2B5EF4-FFF2-40B4-BE49-F238E27FC236}">
-                <a16:creationId xmlns:a16="http://schemas.microsoft.com/office/drawing/2014/main" id="{94F3FC40-7511-4520-BD9B-E4330021E2B4}"/>
-              </a:ext>
-            </a:extLst>
-          </p:cNvPr>
-          <p:cNvPicPr>
-            <a:picLocks noChangeAspect="1"/>
-          </p:cNvPicPr>
-          <p:nvPr/>
-        </p:nvPicPr>
-        <p:blipFill>
-          <a:blip r:embed="rId3"/>
-          <a:stretch>
-            <a:fillRect/>
-          </a:stretch>
-        </p:blipFill>
-        <p:spPr>
-          <a:xfrm>
-            <a:off x="8545780" y="2638314"/>
-            <a:ext cx="2676899" cy="1581371"/>
-          </a:xfrm>
-          <a:prstGeom prst="rect">
-            <a:avLst/>
-          </a:prstGeom>
-          <a:ln w="38100" cap="sq">
-            <a:solidFill>
-              <a:srgbClr val="000000"/>
-            </a:solidFill>
-            <a:prstDash val="solid"/>
-            <a:miter lim="800000"/>
-          </a:ln>
-          <a:effectLst>
-            <a:outerShdw blurRad="50800" dist="38100" dir="2700000" algn="tl" rotWithShape="0">
-              <a:srgbClr val="000000">
-                <a:alpha val="43000"/>
-              </a:srgbClr>
-            </a:outerShdw>
-          </a:effectLst>
-        </p:spPr>
-      </p:pic>
-      <p:sp>
-        <p:nvSpPr>
-          <p:cNvPr id="9" name="Стрелка: вниз 8">
-            <a:extLst>
-              <a:ext uri="{FF2B5EF4-FFF2-40B4-BE49-F238E27FC236}">
-                <a16:creationId xmlns:a16="http://schemas.microsoft.com/office/drawing/2014/main" id="{995072D4-34F3-403F-9F51-4956DEB032C2}"/>
-              </a:ext>
-            </a:extLst>
-          </p:cNvPr>
-          <p:cNvSpPr/>
-          <p:nvPr/>
-        </p:nvSpPr>
-        <p:spPr>
-          <a:xfrm rot="7219109">
-            <a:off x="7612541" y="2165867"/>
-            <a:ext cx="494523" cy="888657"/>
-          </a:xfrm>
-          <a:prstGeom prst="downArrow">
-            <a:avLst/>
-          </a:prstGeom>
-        </p:spPr>
-        <p:style>
-          <a:lnRef idx="2">
-            <a:schemeClr val="accent4">
-              <a:shade val="50000"/>
-            </a:schemeClr>
-          </a:lnRef>
-          <a:fillRef idx="1">
-            <a:schemeClr val="accent4"/>
-          </a:fillRef>
-          <a:effectRef idx="0">
-            <a:schemeClr val="accent4"/>
-          </a:effectRef>
-          <a:fontRef idx="minor">
-            <a:schemeClr val="lt1"/>
-          </a:fontRef>
-        </p:style>
-        <p:txBody>
-          <a:bodyPr rtlCol="0" anchor="ctr"/>
-          <a:lstStyle/>
-          <a:p>
-            <a:pPr algn="ctr"/>
-            <a:endParaRPr lang="ru-RU"/>
-          </a:p>
-        </p:txBody>
-      </p:sp>
-      <p:pic>
-        <p:nvPicPr>
-          <p:cNvPr id="11" name="Рисунок 10">
-            <a:extLst>
-              <a:ext uri="{FF2B5EF4-FFF2-40B4-BE49-F238E27FC236}">
-                <a16:creationId xmlns:a16="http://schemas.microsoft.com/office/drawing/2014/main" id="{6E900564-3390-4792-832F-53529CB0A607}"/>
-              </a:ext>
-            </a:extLst>
-          </p:cNvPr>
-          <p:cNvPicPr>
-            <a:picLocks noChangeAspect="1"/>
-          </p:cNvPicPr>
-          <p:nvPr/>
-        </p:nvPicPr>
-        <p:blipFill>
-          <a:blip r:embed="rId4"/>
-          <a:stretch>
-            <a:fillRect/>
-          </a:stretch>
-        </p:blipFill>
-        <p:spPr>
-          <a:xfrm>
-            <a:off x="183961" y="2650370"/>
-            <a:ext cx="3601481" cy="1005608"/>
-          </a:xfrm>
-          <a:prstGeom prst="rect">
-            <a:avLst/>
-          </a:prstGeom>
-          <a:ln w="38100" cap="sq">
-            <a:solidFill>
-              <a:srgbClr val="000000"/>
-            </a:solidFill>
-            <a:prstDash val="solid"/>
-            <a:miter lim="800000"/>
-          </a:ln>
-          <a:effectLst>
-            <a:outerShdw blurRad="50800" dist="38100" dir="2700000" algn="tl" rotWithShape="0">
-              <a:srgbClr val="000000">
-                <a:alpha val="43000"/>
-              </a:srgbClr>
-            </a:outerShdw>
-          </a:effectLst>
-        </p:spPr>
-      </p:pic>
-      <p:sp>
-        <p:nvSpPr>
-          <p:cNvPr id="12" name="Стрелка: вниз 11">
-            <a:extLst>
-              <a:ext uri="{FF2B5EF4-FFF2-40B4-BE49-F238E27FC236}">
-                <a16:creationId xmlns:a16="http://schemas.microsoft.com/office/drawing/2014/main" id="{40EBDFC1-FE41-43A1-A9BB-B767FD48592F}"/>
-              </a:ext>
-            </a:extLst>
-          </p:cNvPr>
-          <p:cNvSpPr/>
-          <p:nvPr/>
-        </p:nvSpPr>
-        <p:spPr>
-          <a:xfrm rot="13130014">
-            <a:off x="1266210" y="1602719"/>
-            <a:ext cx="494523" cy="888657"/>
-          </a:xfrm>
-          <a:prstGeom prst="downArrow">
-            <a:avLst/>
-          </a:prstGeom>
-        </p:spPr>
-        <p:style>
-          <a:lnRef idx="2">
-            <a:schemeClr val="accent4">
-              <a:shade val="50000"/>
-            </a:schemeClr>
-          </a:lnRef>
-          <a:fillRef idx="1">
-            <a:schemeClr val="accent4"/>
-          </a:fillRef>
-          <a:effectRef idx="0">
-            <a:schemeClr val="accent4"/>
-          </a:effectRef>
-          <a:fontRef idx="minor">
-            <a:schemeClr val="lt1"/>
-          </a:fontRef>
-        </p:style>
-        <p:txBody>
-          <a:bodyPr rtlCol="0" anchor="ctr"/>
-          <a:lstStyle/>
-          <a:p>
-            <a:pPr algn="ctr"/>
-            <a:endParaRPr lang="ru-RU"/>
-          </a:p>
-        </p:txBody>
-      </p:sp>
-    </p:spTree>
-    <p:extLst>
-      <p:ext uri="{BB962C8B-B14F-4D97-AF65-F5344CB8AC3E}">
-        <p14:creationId xmlns:p14="http://schemas.microsoft.com/office/powerpoint/2010/main" val="665262952"/>
-      </p:ext>
-    </p:extLst>
-  </p:cSld>
-  <p:clrMapOvr>
-    <a:masterClrMapping/>
-  </p:clrMapOvr>
-</p:sld>
-</file>
-
-<file path=ppt/slides/slide5.xml><?xml version="1.0" encoding="utf-8"?>
-<p:sld xmlns:a="http://schemas.openxmlformats.org/drawingml/2006/main" xmlns:r="http://schemas.openxmlformats.org/officeDocument/2006/relationships" xmlns:p="http://schemas.openxmlformats.org/presentationml/2006/main">
-  <p:cSld>
-    <p:spTree>
-      <p:nvGrpSpPr>
-        <p:cNvPr id="1" name=""/>
-        <p:cNvGrpSpPr/>
-        <p:nvPr/>
-      </p:nvGrpSpPr>
-      <p:grpSpPr>
-        <a:xfrm>
-          <a:off x="0" y="0"/>
-          <a:ext cx="0" cy="0"/>
-          <a:chOff x="0" y="0"/>
-          <a:chExt cx="0" cy="0"/>
-        </a:xfrm>
-      </p:grpSpPr>
-      <p:sp>
-        <p:nvSpPr>
-          <p:cNvPr id="2" name="Прямоугольник 1">
-            <a:extLst>
-              <a:ext uri="{FF2B5EF4-FFF2-40B4-BE49-F238E27FC236}">
-                <a16:creationId xmlns:a16="http://schemas.microsoft.com/office/drawing/2014/main" id="{E996CB17-F314-4A1E-8571-4536E274232F}"/>
-              </a:ext>
-            </a:extLst>
-          </p:cNvPr>
-          <p:cNvSpPr/>
-          <p:nvPr/>
-        </p:nvSpPr>
-        <p:spPr>
-          <a:xfrm>
-            <a:off x="569167" y="242596"/>
-            <a:ext cx="11150082" cy="811763"/>
-          </a:xfrm>
-          <a:prstGeom prst="rect">
-            <a:avLst/>
-          </a:prstGeom>
-        </p:spPr>
-        <p:style>
-          <a:lnRef idx="2">
-            <a:schemeClr val="accent1">
-              <a:shade val="50000"/>
-            </a:schemeClr>
-          </a:lnRef>
-          <a:fillRef idx="1">
-            <a:schemeClr val="accent1"/>
-          </a:fillRef>
-          <a:effectRef idx="0">
-            <a:schemeClr val="accent1"/>
-          </a:effectRef>
-          <a:fontRef idx="minor">
-            <a:schemeClr val="lt1"/>
-          </a:fontRef>
-        </p:style>
-        <p:txBody>
-          <a:bodyPr rtlCol="0" anchor="ctr"/>
-          <a:lstStyle/>
-          <a:p>
-            <a:pPr algn="ctr"/>
-            <a:r>
-              <a:rPr lang="ru-RU" sz="3200" b="1" dirty="0">
-                <a:ln w="12700" cmpd="sng">
-                  <a:solidFill>
-                    <a:schemeClr val="accent4"/>
-                  </a:solidFill>
-                  <a:prstDash val="solid"/>
-                </a:ln>
-                <a:gradFill>
-                  <a:gsLst>
-                    <a:gs pos="0">
-                      <a:schemeClr val="accent4"/>
-                    </a:gs>
-                    <a:gs pos="4000">
-                      <a:schemeClr val="accent4">
-                        <a:lumMod val="60000"/>
-                        <a:lumOff val="40000"/>
-                      </a:schemeClr>
-                    </a:gs>
-                    <a:gs pos="87000">
-                      <a:schemeClr val="accent4">
-                        <a:lumMod val="20000"/>
-                        <a:lumOff val="80000"/>
-                      </a:schemeClr>
-                    </a:gs>
-                  </a:gsLst>
-                  <a:lin ang="5400000"/>
-                </a:gradFill>
-              </a:rPr>
-              <a:t>Установка </a:t>
-            </a:r>
-            <a:r>
-              <a:rPr lang="en-US" sz="3200" b="1" dirty="0">
-                <a:ln w="12700" cmpd="sng">
-                  <a:solidFill>
-                    <a:schemeClr val="accent4"/>
-                  </a:solidFill>
-                  <a:prstDash val="solid"/>
-                </a:ln>
-                <a:gradFill>
-                  <a:gsLst>
-                    <a:gs pos="0">
-                      <a:schemeClr val="accent4"/>
-                    </a:gs>
-                    <a:gs pos="4000">
-                      <a:schemeClr val="accent4">
-                        <a:lumMod val="60000"/>
-                        <a:lumOff val="40000"/>
-                      </a:schemeClr>
-                    </a:gs>
-                    <a:gs pos="87000">
-                      <a:schemeClr val="accent4">
-                        <a:lumMod val="20000"/>
-                        <a:lumOff val="80000"/>
-                      </a:schemeClr>
-                    </a:gs>
-                  </a:gsLst>
-                  <a:lin ang="5400000"/>
-                </a:gradFill>
-              </a:rPr>
-              <a:t>Python3.9</a:t>
-            </a:r>
-            <a:endParaRPr lang="ru-RU" sz="3200" b="1" dirty="0">
-              <a:ln w="12700" cmpd="sng">
-                <a:solidFill>
-                  <a:schemeClr val="accent4"/>
-                </a:solidFill>
-                <a:prstDash val="solid"/>
-              </a:ln>
-              <a:gradFill>
-                <a:gsLst>
-                  <a:gs pos="0">
-                    <a:schemeClr val="accent4"/>
-                  </a:gs>
-                  <a:gs pos="4000">
-                    <a:schemeClr val="accent4">
-                      <a:lumMod val="60000"/>
-                      <a:lumOff val="40000"/>
-                    </a:schemeClr>
-                  </a:gs>
-                  <a:gs pos="87000">
-                    <a:schemeClr val="accent4">
-                      <a:lumMod val="20000"/>
-                      <a:lumOff val="80000"/>
-                    </a:schemeClr>
-                  </a:gs>
-                </a:gsLst>
-                <a:lin ang="5400000"/>
-              </a:gradFill>
-            </a:endParaRPr>
-          </a:p>
-        </p:txBody>
-      </p:sp>
-      <p:pic>
-        <p:nvPicPr>
-          <p:cNvPr id="3" name="Рисунок 2">
-            <a:extLst>
-              <a:ext uri="{FF2B5EF4-FFF2-40B4-BE49-F238E27FC236}">
-                <a16:creationId xmlns:a16="http://schemas.microsoft.com/office/drawing/2014/main" id="{D76D9577-53A3-4286-804B-994C2D9D2275}"/>
-              </a:ext>
-            </a:extLst>
-          </p:cNvPr>
-          <p:cNvPicPr>
-            <a:picLocks noChangeAspect="1"/>
-          </p:cNvPicPr>
-          <p:nvPr/>
-        </p:nvPicPr>
-        <p:blipFill>
-          <a:blip r:embed="rId2"/>
-          <a:stretch>
-            <a:fillRect/>
-          </a:stretch>
-        </p:blipFill>
-        <p:spPr>
-          <a:xfrm>
-            <a:off x="1168400" y="1192524"/>
-            <a:ext cx="10241280" cy="5545800"/>
-          </a:xfrm>
-          <a:prstGeom prst="rect">
-            <a:avLst/>
-          </a:prstGeom>
-        </p:spPr>
-      </p:pic>
-      <p:pic>
-        <p:nvPicPr>
-          <p:cNvPr id="5" name="Рисунок 4">
-            <a:extLst>
-              <a:ext uri="{FF2B5EF4-FFF2-40B4-BE49-F238E27FC236}">
-                <a16:creationId xmlns:a16="http://schemas.microsoft.com/office/drawing/2014/main" id="{C54942AD-D98D-4848-9C30-FBFCE17C252C}"/>
-              </a:ext>
-            </a:extLst>
-          </p:cNvPr>
-          <p:cNvPicPr>
-            <a:picLocks noChangeAspect="1"/>
-          </p:cNvPicPr>
-          <p:nvPr/>
-        </p:nvPicPr>
-        <p:blipFill>
-          <a:blip r:embed="rId3"/>
-          <a:stretch>
-            <a:fillRect/>
-          </a:stretch>
-        </p:blipFill>
-        <p:spPr>
-          <a:xfrm>
-            <a:off x="297025" y="2549480"/>
-            <a:ext cx="3255929" cy="561367"/>
-          </a:xfrm>
-          <a:prstGeom prst="rect">
-            <a:avLst/>
-          </a:prstGeom>
-          <a:ln w="38100" cap="sq">
-            <a:solidFill>
-              <a:srgbClr val="000000"/>
-            </a:solidFill>
-            <a:prstDash val="solid"/>
-            <a:miter lim="800000"/>
-          </a:ln>
-          <a:effectLst>
-            <a:outerShdw blurRad="50800" dist="38100" dir="2700000" algn="tl" rotWithShape="0">
-              <a:srgbClr val="000000">
-                <a:alpha val="43000"/>
-              </a:srgbClr>
-            </a:outerShdw>
-          </a:effectLst>
-        </p:spPr>
-      </p:pic>
-      <p:sp>
-        <p:nvSpPr>
-          <p:cNvPr id="6" name="Стрелка: вправо 5">
-            <a:extLst>
-              <a:ext uri="{FF2B5EF4-FFF2-40B4-BE49-F238E27FC236}">
-                <a16:creationId xmlns:a16="http://schemas.microsoft.com/office/drawing/2014/main" id="{5FAC3D98-8658-435E-A8A7-9791C4D03444}"/>
-              </a:ext>
-            </a:extLst>
-          </p:cNvPr>
-          <p:cNvSpPr/>
-          <p:nvPr/>
-        </p:nvSpPr>
-        <p:spPr>
-          <a:xfrm rot="18714298">
-            <a:off x="1205310" y="1711494"/>
-            <a:ext cx="904740" cy="467360"/>
-          </a:xfrm>
-          <a:prstGeom prst="rightArrow">
-            <a:avLst/>
-          </a:prstGeom>
-        </p:spPr>
-        <p:style>
-          <a:lnRef idx="2">
-            <a:schemeClr val="accent4">
-              <a:shade val="50000"/>
-            </a:schemeClr>
-          </a:lnRef>
-          <a:fillRef idx="1">
-            <a:schemeClr val="accent4"/>
-          </a:fillRef>
-          <a:effectRef idx="0">
-            <a:schemeClr val="accent4"/>
-          </a:effectRef>
-          <a:fontRef idx="minor">
-            <a:schemeClr val="lt1"/>
-          </a:fontRef>
-        </p:style>
-        <p:txBody>
-          <a:bodyPr rtlCol="0" anchor="ctr"/>
-          <a:lstStyle/>
-          <a:p>
-            <a:pPr algn="ctr"/>
-            <a:endParaRPr lang="ru-RU"/>
-          </a:p>
-        </p:txBody>
-      </p:sp>
-      <p:sp>
-        <p:nvSpPr>
-          <p:cNvPr id="7" name="Овал 6">
-            <a:extLst>
-              <a:ext uri="{FF2B5EF4-FFF2-40B4-BE49-F238E27FC236}">
-                <a16:creationId xmlns:a16="http://schemas.microsoft.com/office/drawing/2014/main" id="{39243416-387F-4970-ADA1-D87D779D59BC}"/>
-              </a:ext>
-            </a:extLst>
-          </p:cNvPr>
-          <p:cNvSpPr/>
-          <p:nvPr/>
-        </p:nvSpPr>
-        <p:spPr>
-          <a:xfrm>
-            <a:off x="5977890" y="4291330"/>
-            <a:ext cx="922020" cy="294640"/>
-          </a:xfrm>
-          <a:prstGeom prst="ellipse">
-            <a:avLst/>
-          </a:prstGeom>
-          <a:noFill/>
-          <a:ln>
-            <a:solidFill>
-              <a:srgbClr val="FF0000"/>
-            </a:solidFill>
-          </a:ln>
-        </p:spPr>
-        <p:style>
-          <a:lnRef idx="2">
-            <a:schemeClr val="accent1">
-              <a:shade val="50000"/>
-            </a:schemeClr>
-          </a:lnRef>
-          <a:fillRef idx="1">
-            <a:schemeClr val="accent1"/>
-          </a:fillRef>
-          <a:effectRef idx="0">
-            <a:schemeClr val="accent1"/>
-          </a:effectRef>
-          <a:fontRef idx="minor">
-            <a:schemeClr val="lt1"/>
-          </a:fontRef>
-        </p:style>
-        <p:txBody>
-          <a:bodyPr rtlCol="0" anchor="ctr"/>
-          <a:lstStyle/>
-          <a:p>
-            <a:pPr algn="ctr"/>
-            <a:endParaRPr lang="ru-RU"/>
-          </a:p>
-        </p:txBody>
-      </p:sp>
-      <p:pic>
-        <p:nvPicPr>
-          <p:cNvPr id="8" name="Рисунок 7">
-            <a:extLst>
-              <a:ext uri="{FF2B5EF4-FFF2-40B4-BE49-F238E27FC236}">
-                <a16:creationId xmlns:a16="http://schemas.microsoft.com/office/drawing/2014/main" id="{7D801E8C-6800-4ADC-B2D9-21D1C592A29F}"/>
-              </a:ext>
-            </a:extLst>
-          </p:cNvPr>
-          <p:cNvPicPr>
-            <a:picLocks noChangeAspect="1"/>
-          </p:cNvPicPr>
-          <p:nvPr/>
-        </p:nvPicPr>
-        <p:blipFill>
-          <a:blip r:embed="rId4"/>
-          <a:stretch>
-            <a:fillRect/>
-          </a:stretch>
-        </p:blipFill>
-        <p:spPr>
-          <a:xfrm>
-            <a:off x="8639155" y="4543956"/>
-            <a:ext cx="3835873" cy="1643053"/>
-          </a:xfrm>
-          <a:prstGeom prst="rect">
-            <a:avLst/>
-          </a:prstGeom>
-          <a:ln w="38100" cap="sq">
-            <a:solidFill>
-              <a:srgbClr val="000000"/>
-            </a:solidFill>
-            <a:prstDash val="solid"/>
-            <a:miter lim="800000"/>
-          </a:ln>
-          <a:effectLst>
-            <a:outerShdw blurRad="50800" dist="38100" dir="2700000" algn="tl" rotWithShape="0">
-              <a:srgbClr val="000000">
-                <a:alpha val="43000"/>
-              </a:srgbClr>
-            </a:outerShdw>
-          </a:effectLst>
-        </p:spPr>
-      </p:pic>
-      <p:sp>
-        <p:nvSpPr>
-          <p:cNvPr id="10" name="Стрелка: вправо 9">
-            <a:extLst>
-              <a:ext uri="{FF2B5EF4-FFF2-40B4-BE49-F238E27FC236}">
-                <a16:creationId xmlns:a16="http://schemas.microsoft.com/office/drawing/2014/main" id="{84913A7C-B3A7-4F65-97CC-B51CEB487779}"/>
-              </a:ext>
-            </a:extLst>
-          </p:cNvPr>
-          <p:cNvSpPr/>
-          <p:nvPr/>
-        </p:nvSpPr>
-        <p:spPr>
-          <a:xfrm rot="12500375">
-            <a:off x="7242017" y="4625383"/>
-            <a:ext cx="904740" cy="467360"/>
-          </a:xfrm>
-          <a:prstGeom prst="rightArrow">
-            <a:avLst/>
-          </a:prstGeom>
-        </p:spPr>
-        <p:style>
-          <a:lnRef idx="3">
-            <a:schemeClr val="lt1"/>
-          </a:lnRef>
-          <a:fillRef idx="1">
-            <a:schemeClr val="accent4"/>
-          </a:fillRef>
-          <a:effectRef idx="1">
-            <a:schemeClr val="accent4"/>
-          </a:effectRef>
-          <a:fontRef idx="minor">
-            <a:schemeClr val="lt1"/>
-          </a:fontRef>
-        </p:style>
-        <p:txBody>
-          <a:bodyPr rtlCol="0" anchor="ctr"/>
-          <a:lstStyle/>
-          <a:p>
-            <a:pPr algn="ctr"/>
-            <a:endParaRPr lang="ru-RU"/>
-          </a:p>
-        </p:txBody>
-      </p:sp>
-    </p:spTree>
-    <p:extLst>
-      <p:ext uri="{BB962C8B-B14F-4D97-AF65-F5344CB8AC3E}">
-        <p14:creationId xmlns:p14="http://schemas.microsoft.com/office/powerpoint/2010/main" val="2429004216"/>
-      </p:ext>
-    </p:extLst>
-  </p:cSld>
-  <p:clrMapOvr>
-    <a:masterClrMapping/>
-  </p:clrMapOvr>
-</p:sld>
-</file>
-
-<file path=ppt/slides/slide6.xml><?xml version="1.0" encoding="utf-8"?>
-<p:sld xmlns:a="http://schemas.openxmlformats.org/drawingml/2006/main" xmlns:r="http://schemas.openxmlformats.org/officeDocument/2006/relationships" xmlns:p="http://schemas.openxmlformats.org/presentationml/2006/main">
-  <p:cSld>
-    <p:spTree>
-      <p:nvGrpSpPr>
-        <p:cNvPr id="1" name=""/>
-        <p:cNvGrpSpPr/>
-        <p:nvPr/>
-      </p:nvGrpSpPr>
-      <p:grpSpPr>
-        <a:xfrm>
-          <a:off x="0" y="0"/>
-          <a:ext cx="0" cy="0"/>
-          <a:chOff x="0" y="0"/>
-          <a:chExt cx="0" cy="0"/>
-        </a:xfrm>
-      </p:grpSpPr>
-      <p:sp>
-        <p:nvSpPr>
-          <p:cNvPr id="2" name="Прямоугольник 1">
-            <a:extLst>
-              <a:ext uri="{FF2B5EF4-FFF2-40B4-BE49-F238E27FC236}">
-                <a16:creationId xmlns:a16="http://schemas.microsoft.com/office/drawing/2014/main" id="{25DD07F8-6FE5-47FF-86A5-2A371349F9C8}"/>
-              </a:ext>
-            </a:extLst>
-          </p:cNvPr>
-          <p:cNvSpPr/>
-          <p:nvPr/>
-        </p:nvSpPr>
-        <p:spPr>
-          <a:xfrm>
-            <a:off x="569167" y="242596"/>
-            <a:ext cx="11150082" cy="811763"/>
-          </a:xfrm>
-          <a:prstGeom prst="rect">
-            <a:avLst/>
-          </a:prstGeom>
-        </p:spPr>
-        <p:style>
-          <a:lnRef idx="2">
-            <a:schemeClr val="accent1">
-              <a:shade val="50000"/>
-            </a:schemeClr>
-          </a:lnRef>
-          <a:fillRef idx="1">
-            <a:schemeClr val="accent1"/>
-          </a:fillRef>
-          <a:effectRef idx="0">
-            <a:schemeClr val="accent1"/>
-          </a:effectRef>
-          <a:fontRef idx="minor">
-            <a:schemeClr val="lt1"/>
-          </a:fontRef>
-        </p:style>
-        <p:txBody>
-          <a:bodyPr rtlCol="0" anchor="ctr"/>
-          <a:lstStyle/>
-          <a:p>
-            <a:pPr algn="ctr"/>
-            <a:r>
-              <a:rPr lang="ru-RU" sz="3200" b="1" dirty="0">
-                <a:ln w="12700" cmpd="sng">
-                  <a:solidFill>
-                    <a:schemeClr val="accent4"/>
-                  </a:solidFill>
-                  <a:prstDash val="solid"/>
-                </a:ln>
-                <a:gradFill>
-                  <a:gsLst>
-                    <a:gs pos="0">
-                      <a:schemeClr val="accent4"/>
-                    </a:gs>
-                    <a:gs pos="4000">
-                      <a:schemeClr val="accent4">
-                        <a:lumMod val="60000"/>
-                        <a:lumOff val="40000"/>
-                      </a:schemeClr>
-                    </a:gs>
-                    <a:gs pos="87000">
-                      <a:schemeClr val="accent4">
-                        <a:lumMod val="20000"/>
-                        <a:lumOff val="80000"/>
-                      </a:schemeClr>
-                    </a:gs>
-                  </a:gsLst>
-                  <a:lin ang="5400000"/>
-                </a:gradFill>
-              </a:rPr>
-              <a:t>Установка виртуального окружения</a:t>
-            </a:r>
-          </a:p>
-        </p:txBody>
-      </p:sp>
-      <p:sp>
-        <p:nvSpPr>
-          <p:cNvPr id="4" name="Прямоугольник: скругленные углы 3">
-            <a:extLst>
-              <a:ext uri="{FF2B5EF4-FFF2-40B4-BE49-F238E27FC236}">
-                <a16:creationId xmlns:a16="http://schemas.microsoft.com/office/drawing/2014/main" id="{55BA33C3-AFEA-4C25-843D-28E19A956677}"/>
-              </a:ext>
-            </a:extLst>
-          </p:cNvPr>
-          <p:cNvSpPr/>
-          <p:nvPr/>
-        </p:nvSpPr>
-        <p:spPr>
-          <a:xfrm>
-            <a:off x="1184988" y="1847461"/>
-            <a:ext cx="4488024" cy="1119674"/>
-          </a:xfrm>
-          <a:prstGeom prst="roundRect">
-            <a:avLst/>
-          </a:prstGeom>
-        </p:spPr>
-        <p:style>
-          <a:lnRef idx="2">
-            <a:schemeClr val="accent1">
-              <a:shade val="50000"/>
-            </a:schemeClr>
-          </a:lnRef>
-          <a:fillRef idx="1">
-            <a:schemeClr val="accent1"/>
-          </a:fillRef>
-          <a:effectRef idx="0">
-            <a:schemeClr val="accent1"/>
-          </a:effectRef>
-          <a:fontRef idx="minor">
-            <a:schemeClr val="lt1"/>
-          </a:fontRef>
-        </p:style>
-        <p:txBody>
-          <a:bodyPr rtlCol="0" anchor="ctr"/>
-          <a:lstStyle/>
-          <a:p>
-            <a:pPr algn="ctr"/>
-            <a:r>
-              <a:rPr lang="en-US" sz="3200" dirty="0"/>
-              <a:t>python3 -m </a:t>
-            </a:r>
-            <a:r>
-              <a:rPr lang="en-US" sz="3200" dirty="0" err="1"/>
-              <a:t>venv</a:t>
-            </a:r>
-            <a:r>
-              <a:rPr lang="en-US" sz="3200" dirty="0"/>
-              <a:t> </a:t>
-            </a:r>
-            <a:r>
-              <a:rPr lang="en-US" sz="3200" dirty="0" err="1"/>
-              <a:t>venv</a:t>
-            </a:r>
-            <a:endParaRPr lang="ru-RU" sz="3200" dirty="0"/>
-          </a:p>
-        </p:txBody>
-      </p:sp>
-      <p:sp>
-        <p:nvSpPr>
-          <p:cNvPr id="6" name="TextBox 5">
-            <a:extLst>
-              <a:ext uri="{FF2B5EF4-FFF2-40B4-BE49-F238E27FC236}">
-                <a16:creationId xmlns:a16="http://schemas.microsoft.com/office/drawing/2014/main" id="{E58E1397-7AAC-4FF3-BF8F-60B98C2B71C3}"/>
-              </a:ext>
-            </a:extLst>
-          </p:cNvPr>
-          <p:cNvSpPr txBox="1"/>
-          <p:nvPr/>
-        </p:nvSpPr>
-        <p:spPr>
-          <a:xfrm>
-            <a:off x="5738326" y="2313992"/>
-            <a:ext cx="4960973" cy="461665"/>
-          </a:xfrm>
-          <a:prstGeom prst="rect">
-            <a:avLst/>
-          </a:prstGeom>
-          <a:noFill/>
-        </p:spPr>
-        <p:txBody>
-          <a:bodyPr wrap="none" rtlCol="0">
-            <a:spAutoFit/>
-          </a:bodyPr>
-          <a:lstStyle/>
-          <a:p>
-            <a:r>
-              <a:rPr lang="en-US" sz="2400" dirty="0"/>
-              <a:t>- </a:t>
-            </a:r>
-            <a:r>
-              <a:rPr lang="ru-RU" sz="2400" dirty="0"/>
-              <a:t>Создание виртуального окружения</a:t>
-            </a:r>
-          </a:p>
-        </p:txBody>
-      </p:sp>
-      <p:sp>
-        <p:nvSpPr>
-          <p:cNvPr id="7" name="Прямоугольник: скругленные углы 6">
-            <a:extLst>
-              <a:ext uri="{FF2B5EF4-FFF2-40B4-BE49-F238E27FC236}">
-                <a16:creationId xmlns:a16="http://schemas.microsoft.com/office/drawing/2014/main" id="{BC60A38E-1635-49B4-8B99-84142ABE4CE9}"/>
-              </a:ext>
-            </a:extLst>
-          </p:cNvPr>
-          <p:cNvSpPr/>
-          <p:nvPr/>
-        </p:nvSpPr>
-        <p:spPr>
-          <a:xfrm>
-            <a:off x="1250302" y="3760237"/>
-            <a:ext cx="4488024" cy="1119674"/>
-          </a:xfrm>
-          <a:prstGeom prst="roundRect">
-            <a:avLst/>
-          </a:prstGeom>
-        </p:spPr>
-        <p:style>
-          <a:lnRef idx="2">
-            <a:schemeClr val="accent1">
-              <a:shade val="50000"/>
-            </a:schemeClr>
-          </a:lnRef>
-          <a:fillRef idx="1">
-            <a:schemeClr val="accent1"/>
-          </a:fillRef>
-          <a:effectRef idx="0">
-            <a:schemeClr val="accent1"/>
-          </a:effectRef>
-          <a:fontRef idx="minor">
-            <a:schemeClr val="lt1"/>
-          </a:fontRef>
-        </p:style>
-        <p:txBody>
-          <a:bodyPr rtlCol="0" anchor="ctr"/>
-          <a:lstStyle/>
-          <a:p>
-            <a:pPr algn="ctr"/>
-            <a:r>
-              <a:rPr lang="en-US" sz="3200" dirty="0"/>
-              <a:t>source </a:t>
-            </a:r>
-            <a:r>
-              <a:rPr lang="en-US" sz="3200" dirty="0" err="1"/>
-              <a:t>venv</a:t>
-            </a:r>
-            <a:r>
-              <a:rPr lang="en-US" sz="3200" dirty="0"/>
-              <a:t>/bin/activate</a:t>
-            </a:r>
-            <a:endParaRPr lang="ru-RU" sz="3200" dirty="0"/>
-          </a:p>
-        </p:txBody>
-      </p:sp>
-      <p:sp>
-        <p:nvSpPr>
-          <p:cNvPr id="8" name="TextBox 7">
-            <a:extLst>
-              <a:ext uri="{FF2B5EF4-FFF2-40B4-BE49-F238E27FC236}">
-                <a16:creationId xmlns:a16="http://schemas.microsoft.com/office/drawing/2014/main" id="{91BF53C0-61FD-4F7B-ACC9-510C95163A9A}"/>
-              </a:ext>
-            </a:extLst>
-          </p:cNvPr>
-          <p:cNvSpPr txBox="1"/>
-          <p:nvPr/>
-        </p:nvSpPr>
-        <p:spPr>
-          <a:xfrm>
-            <a:off x="5803640" y="4226768"/>
-            <a:ext cx="5093061" cy="461665"/>
-          </a:xfrm>
-          <a:prstGeom prst="rect">
-            <a:avLst/>
-          </a:prstGeom>
-          <a:noFill/>
-        </p:spPr>
-        <p:txBody>
-          <a:bodyPr wrap="none" rtlCol="0">
-            <a:spAutoFit/>
-          </a:bodyPr>
-          <a:lstStyle/>
-          <a:p>
-            <a:r>
-              <a:rPr lang="en-US" sz="2400" dirty="0"/>
-              <a:t>- </a:t>
-            </a:r>
-            <a:r>
-              <a:rPr lang="ru-RU" sz="2400" dirty="0"/>
-              <a:t>Активация виртуального окружения</a:t>
-            </a:r>
-          </a:p>
-        </p:txBody>
-      </p:sp>
-    </p:spTree>
-    <p:extLst>
-      <p:ext uri="{BB962C8B-B14F-4D97-AF65-F5344CB8AC3E}">
-        <p14:creationId xmlns:p14="http://schemas.microsoft.com/office/powerpoint/2010/main" val="877598941"/>
-      </p:ext>
-    </p:extLst>
-  </p:cSld>
-  <p:clrMapOvr>
-    <a:masterClrMapping/>
-  </p:clrMapOvr>
-</p:sld>
-</file>
-
-<file path=ppt/slides/slide7.xml><?xml version="1.0" encoding="utf-8"?>
-<p:sld xmlns:a="http://schemas.openxmlformats.org/drawingml/2006/main" xmlns:r="http://schemas.openxmlformats.org/officeDocument/2006/relationships" xmlns:p="http://schemas.openxmlformats.org/presentationml/2006/main">
-  <p:cSld>
-    <p:spTree>
-      <p:nvGrpSpPr>
-        <p:cNvPr id="1" name=""/>
-        <p:cNvGrpSpPr/>
-        <p:nvPr/>
-      </p:nvGrpSpPr>
-      <p:grpSpPr>
-        <a:xfrm>
-          <a:off x="0" y="0"/>
-          <a:ext cx="0" cy="0"/>
-          <a:chOff x="0" y="0"/>
-          <a:chExt cx="0" cy="0"/>
-        </a:xfrm>
-      </p:grpSpPr>
-      <p:pic>
-        <p:nvPicPr>
-          <p:cNvPr id="2" name="Рисунок 1">
-            <a:extLst>
-              <a:ext uri="{FF2B5EF4-FFF2-40B4-BE49-F238E27FC236}">
-                <a16:creationId xmlns:a16="http://schemas.microsoft.com/office/drawing/2014/main" id="{3F6364E1-CF24-4A40-94C1-4D2A05C74457}"/>
-              </a:ext>
-            </a:extLst>
-          </p:cNvPr>
-          <p:cNvPicPr>
-            <a:picLocks noChangeAspect="1"/>
-          </p:cNvPicPr>
-          <p:nvPr/>
-        </p:nvPicPr>
-        <p:blipFill>
-          <a:blip r:embed="rId2"/>
-          <a:stretch>
-            <a:fillRect/>
-          </a:stretch>
-        </p:blipFill>
-        <p:spPr>
-          <a:xfrm>
-            <a:off x="922412" y="1348934"/>
-            <a:ext cx="4333696" cy="5089187"/>
-          </a:xfrm>
-          <a:prstGeom prst="rect">
-            <a:avLst/>
-          </a:prstGeom>
-        </p:spPr>
-      </p:pic>
-      <p:sp>
-        <p:nvSpPr>
-          <p:cNvPr id="3" name="Прямоугольник 2">
-            <a:extLst>
-              <a:ext uri="{FF2B5EF4-FFF2-40B4-BE49-F238E27FC236}">
-                <a16:creationId xmlns:a16="http://schemas.microsoft.com/office/drawing/2014/main" id="{B57E3441-019A-4738-A0C7-F11CA719C1B3}"/>
-              </a:ext>
-            </a:extLst>
-          </p:cNvPr>
-          <p:cNvSpPr/>
-          <p:nvPr/>
-        </p:nvSpPr>
-        <p:spPr>
-          <a:xfrm>
-            <a:off x="569167" y="242596"/>
-            <a:ext cx="11150082" cy="811763"/>
-          </a:xfrm>
-          <a:prstGeom prst="rect">
-            <a:avLst/>
-          </a:prstGeom>
-        </p:spPr>
-        <p:style>
-          <a:lnRef idx="2">
-            <a:schemeClr val="accent1">
-              <a:shade val="50000"/>
-            </a:schemeClr>
-          </a:lnRef>
-          <a:fillRef idx="1">
-            <a:schemeClr val="accent1"/>
-          </a:fillRef>
-          <a:effectRef idx="0">
-            <a:schemeClr val="accent1"/>
-          </a:effectRef>
-          <a:fontRef idx="minor">
-            <a:schemeClr val="lt1"/>
-          </a:fontRef>
-        </p:style>
-        <p:txBody>
-          <a:bodyPr rtlCol="0" anchor="ctr"/>
-          <a:lstStyle/>
-          <a:p>
-            <a:pPr algn="ctr"/>
-            <a:r>
-              <a:rPr lang="ru-RU" sz="3200" b="1" dirty="0">
-                <a:ln w="12700" cmpd="sng">
-                  <a:solidFill>
-                    <a:schemeClr val="accent4"/>
-                  </a:solidFill>
-                  <a:prstDash val="solid"/>
-                </a:ln>
-                <a:gradFill>
-                  <a:gsLst>
-                    <a:gs pos="0">
-                      <a:schemeClr val="accent4"/>
-                    </a:gs>
-                    <a:gs pos="4000">
-                      <a:schemeClr val="accent4">
-                        <a:lumMod val="60000"/>
-                        <a:lumOff val="40000"/>
-                      </a:schemeClr>
-                    </a:gs>
-                    <a:gs pos="87000">
-                      <a:schemeClr val="accent4">
-                        <a:lumMod val="20000"/>
-                        <a:lumOff val="80000"/>
-                      </a:schemeClr>
-                    </a:gs>
-                  </a:gsLst>
-                  <a:lin ang="5400000"/>
-                </a:gradFill>
-              </a:rPr>
-              <a:t>Первая программа</a:t>
-            </a:r>
-          </a:p>
-        </p:txBody>
-      </p:sp>
-      <p:sp>
-        <p:nvSpPr>
-          <p:cNvPr id="4" name="Прямоугольник: скругленные углы 3">
-            <a:extLst>
-              <a:ext uri="{FF2B5EF4-FFF2-40B4-BE49-F238E27FC236}">
-                <a16:creationId xmlns:a16="http://schemas.microsoft.com/office/drawing/2014/main" id="{21796D4C-797D-4A1A-A82A-6544F8C2D307}"/>
-              </a:ext>
-            </a:extLst>
-          </p:cNvPr>
-          <p:cNvSpPr/>
-          <p:nvPr/>
-        </p:nvSpPr>
-        <p:spPr>
-          <a:xfrm>
-            <a:off x="5722775" y="2803849"/>
-            <a:ext cx="6239069" cy="737118"/>
-          </a:xfrm>
-          <a:prstGeom prst="roundRect">
-            <a:avLst/>
-          </a:prstGeom>
-        </p:spPr>
-        <p:style>
-          <a:lnRef idx="2">
-            <a:schemeClr val="accent1">
-              <a:shade val="50000"/>
-            </a:schemeClr>
-          </a:lnRef>
-          <a:fillRef idx="1">
-            <a:schemeClr val="accent1"/>
-          </a:fillRef>
-          <a:effectRef idx="0">
-            <a:schemeClr val="accent1"/>
-          </a:effectRef>
-          <a:fontRef idx="minor">
-            <a:schemeClr val="lt1"/>
-          </a:fontRef>
-        </p:style>
-        <p:txBody>
-          <a:bodyPr rtlCol="0" anchor="ctr"/>
-          <a:lstStyle/>
-          <a:p>
-            <a:pPr algn="ctr"/>
-            <a:r>
-              <a:rPr lang="en-US" sz="2800" dirty="0"/>
-              <a:t>print(“Hello world”)</a:t>
-            </a:r>
-          </a:p>
-        </p:txBody>
-      </p:sp>
-      <p:sp>
-        <p:nvSpPr>
-          <p:cNvPr id="7" name="Прямоугольник 6">
-            <a:extLst>
-              <a:ext uri="{FF2B5EF4-FFF2-40B4-BE49-F238E27FC236}">
-                <a16:creationId xmlns:a16="http://schemas.microsoft.com/office/drawing/2014/main" id="{29057061-C6F0-4ACC-A69A-5D3C41C3BB1F}"/>
-              </a:ext>
-            </a:extLst>
-          </p:cNvPr>
-          <p:cNvSpPr/>
-          <p:nvPr/>
-        </p:nvSpPr>
-        <p:spPr>
-          <a:xfrm>
-            <a:off x="5996473" y="3893528"/>
-            <a:ext cx="6096000" cy="646331"/>
-          </a:xfrm>
-          <a:prstGeom prst="rect">
-            <a:avLst/>
-          </a:prstGeom>
-        </p:spPr>
-        <p:txBody>
-          <a:bodyPr>
-            <a:spAutoFit/>
-          </a:bodyPr>
-          <a:lstStyle/>
-          <a:p>
-            <a:r>
-              <a:rPr lang="ru-RU" dirty="0"/>
-              <a:t>Функция </a:t>
-            </a:r>
-            <a:r>
-              <a:rPr lang="ru-RU" b="1" dirty="0" err="1"/>
-              <a:t>print</a:t>
-            </a:r>
-            <a:r>
-              <a:rPr lang="en-US" dirty="0"/>
-              <a:t> </a:t>
-            </a:r>
-            <a:r>
-              <a:rPr lang="ru-RU" dirty="0"/>
-              <a:t>в </a:t>
-            </a:r>
-            <a:r>
-              <a:rPr lang="ru-RU" dirty="0" err="1"/>
-              <a:t>Python</a:t>
-            </a:r>
-            <a:r>
-              <a:rPr lang="ru-RU" dirty="0"/>
-              <a:t> выводит заданные объекты на стандартное устройство вывода (экран)</a:t>
-            </a:r>
-          </a:p>
-        </p:txBody>
-      </p:sp>
-    </p:spTree>
-    <p:extLst>
-      <p:ext uri="{BB962C8B-B14F-4D97-AF65-F5344CB8AC3E}">
-        <p14:creationId xmlns:p14="http://schemas.microsoft.com/office/powerpoint/2010/main" val="2738888459"/>
-      </p:ext>
-    </p:extLst>
-  </p:cSld>
-  <p:clrMapOvr>
-    <a:masterClrMapping/>
-  </p:clrMapOvr>
-</p:sld>
-</file>
-
-<file path=ppt/slides/slide8.xml><?xml version="1.0" encoding="utf-8"?>
-<p:sld xmlns:a="http://schemas.openxmlformats.org/drawingml/2006/main" xmlns:r="http://schemas.openxmlformats.org/officeDocument/2006/relationships" xmlns:p="http://schemas.openxmlformats.org/presentationml/2006/main">
-  <p:cSld>
-    <p:spTree>
-      <p:nvGrpSpPr>
-        <p:cNvPr id="1" name=""/>
-        <p:cNvGrpSpPr/>
-        <p:nvPr/>
-      </p:nvGrpSpPr>
-      <p:grpSpPr>
-        <a:xfrm>
-          <a:off x="0" y="0"/>
-          <a:ext cx="0" cy="0"/>
-          <a:chOff x="0" y="0"/>
-          <a:chExt cx="0" cy="0"/>
-        </a:xfrm>
-      </p:grpSpPr>
-      <p:sp>
-        <p:nvSpPr>
-          <p:cNvPr id="2" name="Прямоугольник 1">
-            <a:extLst>
-              <a:ext uri="{FF2B5EF4-FFF2-40B4-BE49-F238E27FC236}">
-                <a16:creationId xmlns:a16="http://schemas.microsoft.com/office/drawing/2014/main" id="{6132B0E8-127E-4AA9-80A4-AB7BA4C8DACA}"/>
-              </a:ext>
-            </a:extLst>
-          </p:cNvPr>
-          <p:cNvSpPr/>
-          <p:nvPr/>
-        </p:nvSpPr>
-        <p:spPr>
-          <a:xfrm>
-            <a:off x="569167" y="242596"/>
-            <a:ext cx="11150082" cy="811763"/>
-          </a:xfrm>
-          <a:prstGeom prst="rect">
-            <a:avLst/>
-          </a:prstGeom>
-        </p:spPr>
-        <p:style>
-          <a:lnRef idx="2">
-            <a:schemeClr val="accent1">
-              <a:shade val="50000"/>
-            </a:schemeClr>
-          </a:lnRef>
-          <a:fillRef idx="1">
-            <a:schemeClr val="accent1"/>
-          </a:fillRef>
-          <a:effectRef idx="0">
-            <a:schemeClr val="accent1"/>
-          </a:effectRef>
-          <a:fontRef idx="minor">
-            <a:schemeClr val="lt1"/>
-          </a:fontRef>
-        </p:style>
-        <p:txBody>
-          <a:bodyPr rtlCol="0" anchor="ctr"/>
-          <a:lstStyle/>
-          <a:p>
-            <a:pPr algn="ctr"/>
-            <a:r>
-              <a:rPr lang="ru-RU" sz="3200" b="1" dirty="0">
-                <a:ln w="12700" cmpd="sng">
-                  <a:solidFill>
-                    <a:schemeClr val="accent4"/>
-                  </a:solidFill>
-                  <a:prstDash val="solid"/>
-                </a:ln>
-                <a:gradFill>
-                  <a:gsLst>
-                    <a:gs pos="0">
-                      <a:schemeClr val="accent4"/>
-                    </a:gs>
-                    <a:gs pos="4000">
-                      <a:schemeClr val="accent4">
-                        <a:lumMod val="60000"/>
-                        <a:lumOff val="40000"/>
-                      </a:schemeClr>
-                    </a:gs>
-                    <a:gs pos="87000">
-                      <a:schemeClr val="accent4">
-                        <a:lumMod val="20000"/>
-                        <a:lumOff val="80000"/>
-                      </a:schemeClr>
-                    </a:gs>
-                  </a:gsLst>
-                  <a:lin ang="5400000"/>
-                </a:gradFill>
-              </a:rPr>
-              <a:t>Комментарии</a:t>
-            </a:r>
-          </a:p>
-        </p:txBody>
-      </p:sp>
-      <p:pic>
-        <p:nvPicPr>
-          <p:cNvPr id="3" name="Рисунок 2">
-            <a:extLst>
-              <a:ext uri="{FF2B5EF4-FFF2-40B4-BE49-F238E27FC236}">
-                <a16:creationId xmlns:a16="http://schemas.microsoft.com/office/drawing/2014/main" id="{8E64077C-FE78-4358-A4CB-D23F11265883}"/>
-              </a:ext>
-            </a:extLst>
-          </p:cNvPr>
-          <p:cNvPicPr>
-            <a:picLocks noChangeAspect="1"/>
-          </p:cNvPicPr>
-          <p:nvPr/>
-        </p:nvPicPr>
-        <p:blipFill>
-          <a:blip r:embed="rId2"/>
-          <a:stretch>
-            <a:fillRect/>
-          </a:stretch>
-        </p:blipFill>
-        <p:spPr>
-          <a:xfrm>
-            <a:off x="153194" y="1542980"/>
-            <a:ext cx="7115354" cy="1097582"/>
-          </a:xfrm>
-          <a:prstGeom prst="rect">
-            <a:avLst/>
-          </a:prstGeom>
-          <a:ln w="38100" cap="sq">
-            <a:solidFill>
-              <a:srgbClr val="000000"/>
-            </a:solidFill>
-            <a:prstDash val="solid"/>
-            <a:miter lim="800000"/>
-          </a:ln>
-          <a:effectLst>
-            <a:outerShdw blurRad="50800" dist="38100" dir="2700000" algn="tl" rotWithShape="0">
-              <a:srgbClr val="000000">
-                <a:alpha val="43000"/>
-              </a:srgbClr>
-            </a:outerShdw>
-          </a:effectLst>
-        </p:spPr>
-      </p:pic>
-      <p:sp>
-        <p:nvSpPr>
-          <p:cNvPr id="4" name="Прямоугольник: скругленные углы 3">
-            <a:extLst>
-              <a:ext uri="{FF2B5EF4-FFF2-40B4-BE49-F238E27FC236}">
-                <a16:creationId xmlns:a16="http://schemas.microsoft.com/office/drawing/2014/main" id="{8C9FF780-B020-4142-8585-9E6E679C4032}"/>
-              </a:ext>
-            </a:extLst>
-          </p:cNvPr>
-          <p:cNvSpPr/>
-          <p:nvPr/>
-        </p:nvSpPr>
-        <p:spPr>
-          <a:xfrm>
-            <a:off x="8236614" y="2584579"/>
-            <a:ext cx="3398659" cy="2099387"/>
-          </a:xfrm>
-          <a:prstGeom prst="roundRect">
-            <a:avLst/>
-          </a:prstGeom>
-        </p:spPr>
-        <p:style>
-          <a:lnRef idx="2">
-            <a:schemeClr val="accent1">
-              <a:shade val="50000"/>
-            </a:schemeClr>
-          </a:lnRef>
-          <a:fillRef idx="1">
-            <a:schemeClr val="accent1"/>
-          </a:fillRef>
-          <a:effectRef idx="0">
-            <a:schemeClr val="accent1"/>
-          </a:effectRef>
-          <a:fontRef idx="minor">
-            <a:schemeClr val="lt1"/>
-          </a:fontRef>
-        </p:style>
-        <p:txBody>
-          <a:bodyPr rtlCol="0" anchor="ctr"/>
-          <a:lstStyle/>
-          <a:p>
-            <a:pPr algn="ctr"/>
-            <a:r>
-              <a:rPr lang="ru-RU" dirty="0">
-                <a:solidFill>
-                  <a:srgbClr val="FFFF00"/>
-                </a:solidFill>
-              </a:rPr>
-              <a:t>Комментарии</a:t>
-            </a:r>
-            <a:r>
-              <a:rPr lang="ru-RU" dirty="0"/>
-              <a:t> – это то, что пишется после символа </a:t>
-            </a:r>
-            <a:r>
-              <a:rPr lang="ru-RU" dirty="0">
-                <a:solidFill>
-                  <a:srgbClr val="FFFF00"/>
-                </a:solidFill>
-              </a:rPr>
-              <a:t>#</a:t>
-            </a:r>
-            <a:r>
-              <a:rPr lang="ru-RU" dirty="0"/>
-              <a:t>, и представляет интерес лишь как заметка для читающего программу</a:t>
-            </a:r>
-            <a:r>
-              <a:rPr lang="en-US" dirty="0"/>
-              <a:t>. </a:t>
-            </a:r>
-            <a:r>
-              <a:rPr lang="ru-RU" dirty="0"/>
-              <a:t>Так же для многострочных комментариев используется знак</a:t>
-            </a:r>
-            <a:r>
-              <a:rPr lang="en-US" dirty="0"/>
-              <a:t> </a:t>
-            </a:r>
-            <a:r>
-              <a:rPr lang="ru-RU" dirty="0">
-                <a:solidFill>
-                  <a:srgbClr val="FFFF00"/>
-                </a:solidFill>
-              </a:rPr>
-              <a:t>‘‘’</a:t>
-            </a:r>
-            <a:r>
-              <a:rPr lang="ru-RU" dirty="0"/>
-              <a:t> или </a:t>
-            </a:r>
-            <a:r>
-              <a:rPr lang="en-US" dirty="0">
-                <a:solidFill>
-                  <a:srgbClr val="FFFF00"/>
-                </a:solidFill>
-              </a:rPr>
-              <a:t>“””</a:t>
-            </a:r>
-            <a:r>
-              <a:rPr lang="ru-RU" dirty="0"/>
-              <a:t> </a:t>
-            </a:r>
-          </a:p>
-        </p:txBody>
-      </p:sp>
-      <p:pic>
-        <p:nvPicPr>
-          <p:cNvPr id="5" name="Рисунок 4">
-            <a:extLst>
-              <a:ext uri="{FF2B5EF4-FFF2-40B4-BE49-F238E27FC236}">
-                <a16:creationId xmlns:a16="http://schemas.microsoft.com/office/drawing/2014/main" id="{6B4A2B7A-C0D3-4F52-B2D8-8453B4355640}"/>
-              </a:ext>
-            </a:extLst>
-          </p:cNvPr>
-          <p:cNvPicPr>
-            <a:picLocks noChangeAspect="1"/>
-          </p:cNvPicPr>
-          <p:nvPr/>
-        </p:nvPicPr>
-        <p:blipFill>
-          <a:blip r:embed="rId3"/>
-          <a:stretch>
-            <a:fillRect/>
-          </a:stretch>
-        </p:blipFill>
-        <p:spPr>
-          <a:xfrm>
-            <a:off x="153194" y="3129183"/>
-            <a:ext cx="6592839" cy="1272714"/>
-          </a:xfrm>
-          <a:prstGeom prst="rect">
-            <a:avLst/>
-          </a:prstGeom>
-          <a:ln w="38100" cap="sq">
-            <a:solidFill>
-              <a:srgbClr val="000000"/>
-            </a:solidFill>
-            <a:prstDash val="solid"/>
-            <a:miter lim="800000"/>
-          </a:ln>
-          <a:effectLst>
-            <a:outerShdw blurRad="50800" dist="38100" dir="2700000" algn="tl" rotWithShape="0">
-              <a:srgbClr val="000000">
-                <a:alpha val="43000"/>
-              </a:srgbClr>
-            </a:outerShdw>
-          </a:effectLst>
-        </p:spPr>
-      </p:pic>
-      <p:pic>
-        <p:nvPicPr>
-          <p:cNvPr id="6" name="Рисунок 5">
-            <a:extLst>
-              <a:ext uri="{FF2B5EF4-FFF2-40B4-BE49-F238E27FC236}">
-                <a16:creationId xmlns:a16="http://schemas.microsoft.com/office/drawing/2014/main" id="{C3FBBDBC-DD8E-4A7C-8F0B-304D868278A8}"/>
-              </a:ext>
-            </a:extLst>
-          </p:cNvPr>
-          <p:cNvPicPr>
-            <a:picLocks noChangeAspect="1"/>
-          </p:cNvPicPr>
-          <p:nvPr/>
-        </p:nvPicPr>
-        <p:blipFill>
-          <a:blip r:embed="rId4"/>
-          <a:stretch>
-            <a:fillRect/>
-          </a:stretch>
-        </p:blipFill>
-        <p:spPr>
-          <a:xfrm>
-            <a:off x="153194" y="4848530"/>
-            <a:ext cx="6846558" cy="1645576"/>
-          </a:xfrm>
-          <a:prstGeom prst="rect">
-            <a:avLst/>
-          </a:prstGeom>
-          <a:ln w="38100" cap="sq">
-            <a:solidFill>
-              <a:srgbClr val="000000"/>
-            </a:solidFill>
-            <a:prstDash val="solid"/>
-            <a:miter lim="800000"/>
-          </a:ln>
-          <a:effectLst>
-            <a:outerShdw blurRad="50800" dist="38100" dir="2700000" algn="tl" rotWithShape="0">
-              <a:srgbClr val="000000">
-                <a:alpha val="43000"/>
-              </a:srgbClr>
-            </a:outerShdw>
-          </a:effectLst>
-        </p:spPr>
-      </p:pic>
-    </p:spTree>
-    <p:extLst>
-      <p:ext uri="{BB962C8B-B14F-4D97-AF65-F5344CB8AC3E}">
-        <p14:creationId xmlns:p14="http://schemas.microsoft.com/office/powerpoint/2010/main" val="1481876270"/>
-      </p:ext>
-    </p:extLst>
-  </p:cSld>
-  <p:clrMapOvr>
-    <a:masterClrMapping/>
-  </p:clrMapOvr>
-</p:sld>
-</file>
-
-<file path=ppt/slides/slide9.xml><?xml version="1.0" encoding="utf-8"?>
-<p:sld xmlns:a="http://schemas.openxmlformats.org/drawingml/2006/main" xmlns:r="http://schemas.openxmlformats.org/officeDocument/2006/relationships" xmlns:p="http://schemas.openxmlformats.org/presentationml/2006/main">
-  <p:cSld>
-    <p:spTree>
-      <p:nvGrpSpPr>
-        <p:cNvPr id="1" name=""/>
-        <p:cNvGrpSpPr/>
-        <p:nvPr/>
-      </p:nvGrpSpPr>
-      <p:grpSpPr>
-        <a:xfrm>
-          <a:off x="0" y="0"/>
-          <a:ext cx="0" cy="0"/>
-          <a:chOff x="0" y="0"/>
-          <a:chExt cx="0" cy="0"/>
-        </a:xfrm>
-      </p:grpSpPr>
-      <p:sp>
-        <p:nvSpPr>
-          <p:cNvPr id="2" name="Прямоугольник 1">
-            <a:extLst>
-              <a:ext uri="{FF2B5EF4-FFF2-40B4-BE49-F238E27FC236}">
-                <a16:creationId xmlns:a16="http://schemas.microsoft.com/office/drawing/2014/main" id="{C3D7DC82-4F50-438E-9ACE-C189736F918C}"/>
-              </a:ext>
-            </a:extLst>
-          </p:cNvPr>
-          <p:cNvSpPr/>
-          <p:nvPr/>
-        </p:nvSpPr>
-        <p:spPr>
-          <a:xfrm>
-            <a:off x="569167" y="242596"/>
-            <a:ext cx="11150082" cy="811763"/>
-          </a:xfrm>
-          <a:prstGeom prst="rect">
-            <a:avLst/>
-          </a:prstGeom>
-        </p:spPr>
-        <p:style>
-          <a:lnRef idx="2">
-            <a:schemeClr val="accent1">
-              <a:shade val="50000"/>
-            </a:schemeClr>
-          </a:lnRef>
-          <a:fillRef idx="1">
-            <a:schemeClr val="accent1"/>
-          </a:fillRef>
-          <a:effectRef idx="0">
-            <a:schemeClr val="accent1"/>
-          </a:effectRef>
-          <a:fontRef idx="minor">
-            <a:schemeClr val="lt1"/>
-          </a:fontRef>
-        </p:style>
-        <p:txBody>
-          <a:bodyPr rtlCol="0" anchor="ctr"/>
-          <a:lstStyle/>
-          <a:p>
-            <a:pPr algn="ctr"/>
-            <a:r>
-              <a:rPr lang="ru-RU" sz="3200" b="1" dirty="0">
-                <a:ln w="12700" cmpd="sng">
-                  <a:solidFill>
-                    <a:schemeClr val="accent4"/>
-                  </a:solidFill>
-                  <a:prstDash val="solid"/>
-                </a:ln>
-                <a:gradFill>
-                  <a:gsLst>
-                    <a:gs pos="0">
-                      <a:schemeClr val="accent4"/>
-                    </a:gs>
-                    <a:gs pos="4000">
-                      <a:schemeClr val="accent4">
-                        <a:lumMod val="60000"/>
-                        <a:lumOff val="40000"/>
-                      </a:schemeClr>
-                    </a:gs>
-                    <a:gs pos="87000">
-                      <a:schemeClr val="accent4">
-                        <a:lumMod val="20000"/>
-                        <a:lumOff val="80000"/>
-                      </a:schemeClr>
-                    </a:gs>
-                  </a:gsLst>
-                  <a:lin ang="5400000"/>
-                </a:gradFill>
-              </a:rPr>
-              <a:t>Литеральные константы</a:t>
-            </a:r>
-          </a:p>
-        </p:txBody>
-      </p:sp>
-      <p:pic>
-        <p:nvPicPr>
-          <p:cNvPr id="3" name="Рисунок 2">
-            <a:extLst>
-              <a:ext uri="{FF2B5EF4-FFF2-40B4-BE49-F238E27FC236}">
-                <a16:creationId xmlns:a16="http://schemas.microsoft.com/office/drawing/2014/main" id="{2C7EDCA6-988E-4CE9-8C60-2AE92FB60B52}"/>
-              </a:ext>
-            </a:extLst>
-          </p:cNvPr>
-          <p:cNvPicPr>
-            <a:picLocks noChangeAspect="1"/>
-          </p:cNvPicPr>
-          <p:nvPr/>
-        </p:nvPicPr>
-        <p:blipFill>
-          <a:blip r:embed="rId2"/>
-          <a:stretch>
-            <a:fillRect/>
-          </a:stretch>
-        </p:blipFill>
-        <p:spPr>
-          <a:xfrm>
-            <a:off x="2698085" y="2467818"/>
-            <a:ext cx="5956074" cy="1339071"/>
-          </a:xfrm>
-          <a:prstGeom prst="rect">
-            <a:avLst/>
-          </a:prstGeom>
-          <a:ln w="38100" cap="sq">
-            <a:solidFill>
-              <a:srgbClr val="000000"/>
-            </a:solidFill>
-            <a:prstDash val="solid"/>
-            <a:miter lim="800000"/>
-          </a:ln>
-          <a:effectLst>
-            <a:outerShdw blurRad="50800" dist="38100" dir="2700000" algn="tl" rotWithShape="0">
-              <a:srgbClr val="000000">
-                <a:alpha val="43000"/>
-              </a:srgbClr>
-            </a:outerShdw>
-          </a:effectLst>
-        </p:spPr>
-      </p:pic>
-      <p:sp>
-        <p:nvSpPr>
-          <p:cNvPr id="4" name="Прямоугольник: скругленные углы 3">
-            <a:extLst>
-              <a:ext uri="{FF2B5EF4-FFF2-40B4-BE49-F238E27FC236}">
-                <a16:creationId xmlns:a16="http://schemas.microsoft.com/office/drawing/2014/main" id="{FB788739-1696-441C-AFB1-7218466B46C1}"/>
-              </a:ext>
-            </a:extLst>
-          </p:cNvPr>
-          <p:cNvSpPr/>
-          <p:nvPr/>
-        </p:nvSpPr>
-        <p:spPr>
-          <a:xfrm>
-            <a:off x="880187" y="5052398"/>
-            <a:ext cx="10431625" cy="1212980"/>
-          </a:xfrm>
-          <a:prstGeom prst="roundRect">
-            <a:avLst/>
-          </a:prstGeom>
-        </p:spPr>
-        <p:style>
-          <a:lnRef idx="2">
-            <a:schemeClr val="accent1">
-              <a:shade val="50000"/>
-            </a:schemeClr>
-          </a:lnRef>
-          <a:fillRef idx="1">
-            <a:schemeClr val="accent1"/>
-          </a:fillRef>
-          <a:effectRef idx="0">
-            <a:schemeClr val="accent1"/>
-          </a:effectRef>
-          <a:fontRef idx="minor">
-            <a:schemeClr val="lt1"/>
-          </a:fontRef>
-        </p:style>
-        <p:txBody>
-          <a:bodyPr rtlCol="0" anchor="ctr"/>
-          <a:lstStyle/>
-          <a:p>
-            <a:pPr algn="ctr"/>
-            <a:r>
-              <a:rPr lang="ru-RU" b="1" i="1" dirty="0">
-                <a:solidFill>
-                  <a:srgbClr val="FFFF00"/>
-                </a:solidFill>
-              </a:rPr>
-              <a:t>Литерал</a:t>
-            </a:r>
-            <a:r>
-              <a:rPr lang="ru-RU" i="1" dirty="0"/>
-              <a:t> (англ. </a:t>
-            </a:r>
-            <a:r>
-              <a:rPr lang="ru-RU" b="1" i="1" dirty="0" err="1"/>
-              <a:t>literal</a:t>
-            </a:r>
-            <a:r>
-              <a:rPr lang="ru-RU" i="1" dirty="0"/>
-              <a:t> ) — запись в исходном коде компьютерной программы, представляющая собой фиксированное значение.</a:t>
-            </a:r>
-            <a:endParaRPr lang="ru-RU" dirty="0"/>
-          </a:p>
-        </p:txBody>
-      </p:sp>
-    </p:spTree>
-    <p:extLst>
-      <p:ext uri="{BB962C8B-B14F-4D97-AF65-F5344CB8AC3E}">
-        <p14:creationId xmlns:p14="http://schemas.microsoft.com/office/powerpoint/2010/main" val="397296671"/>
       </p:ext>
     </p:extLst>
   </p:cSld>
